--- a/sample/sample.pptx
+++ b/sample/sample.pptx
@@ -8,6 +8,8 @@
     <p:sldId id="256" r:id="rId2"/>
     <p:sldId id="257" r:id="rId3"/>
     <p:sldId id="259" r:id="rId4"/>
+    <p:sldId id="260" r:id="rId5"/>
+    <p:sldId id="261" r:id="rId6"/>
   </p:sldIdLst>
   <p:sldSz cx="12192000" cy="6858000"/>
   <p:notesSz cx="6858000" cy="9144000"/>
@@ -261,7 +263,7 @@
           <a:p>
             <a:fld id="{5344CEB7-1FFD-4405-98AF-1DAF0CFE524A}" type="datetimeFigureOut">
               <a:rPr kumimoji="1" lang="ja-JP" altLang="en-US" smtClean="0"/>
-              <a:t>2026/1/29</a:t>
+              <a:t>2026/1/31</a:t>
             </a:fld>
             <a:endParaRPr kumimoji="1" lang="ja-JP" altLang="en-US"/>
           </a:p>
@@ -491,7 +493,7 @@
           <a:p>
             <a:fld id="{5344CEB7-1FFD-4405-98AF-1DAF0CFE524A}" type="datetimeFigureOut">
               <a:rPr kumimoji="1" lang="ja-JP" altLang="en-US" smtClean="0"/>
-              <a:t>2026/1/29</a:t>
+              <a:t>2026/1/31</a:t>
             </a:fld>
             <a:endParaRPr kumimoji="1" lang="ja-JP" altLang="en-US"/>
           </a:p>
@@ -731,7 +733,7 @@
           <a:p>
             <a:fld id="{5344CEB7-1FFD-4405-98AF-1DAF0CFE524A}" type="datetimeFigureOut">
               <a:rPr kumimoji="1" lang="ja-JP" altLang="en-US" smtClean="0"/>
-              <a:t>2026/1/29</a:t>
+              <a:t>2026/1/31</a:t>
             </a:fld>
             <a:endParaRPr kumimoji="1" lang="ja-JP" altLang="en-US"/>
           </a:p>
@@ -961,7 +963,7 @@
           <a:p>
             <a:fld id="{5344CEB7-1FFD-4405-98AF-1DAF0CFE524A}" type="datetimeFigureOut">
               <a:rPr kumimoji="1" lang="ja-JP" altLang="en-US" smtClean="0"/>
-              <a:t>2026/1/29</a:t>
+              <a:t>2026/1/31</a:t>
             </a:fld>
             <a:endParaRPr kumimoji="1" lang="ja-JP" altLang="en-US"/>
           </a:p>
@@ -1236,7 +1238,7 @@
           <a:p>
             <a:fld id="{5344CEB7-1FFD-4405-98AF-1DAF0CFE524A}" type="datetimeFigureOut">
               <a:rPr kumimoji="1" lang="ja-JP" altLang="en-US" smtClean="0"/>
-              <a:t>2026/1/29</a:t>
+              <a:t>2026/1/31</a:t>
             </a:fld>
             <a:endParaRPr kumimoji="1" lang="ja-JP" altLang="en-US"/>
           </a:p>
@@ -1565,7 +1567,7 @@
           <a:p>
             <a:fld id="{5344CEB7-1FFD-4405-98AF-1DAF0CFE524A}" type="datetimeFigureOut">
               <a:rPr kumimoji="1" lang="ja-JP" altLang="en-US" smtClean="0"/>
-              <a:t>2026/1/29</a:t>
+              <a:t>2026/1/31</a:t>
             </a:fld>
             <a:endParaRPr kumimoji="1" lang="ja-JP" altLang="en-US"/>
           </a:p>
@@ -2041,7 +2043,7 @@
           <a:p>
             <a:fld id="{5344CEB7-1FFD-4405-98AF-1DAF0CFE524A}" type="datetimeFigureOut">
               <a:rPr kumimoji="1" lang="ja-JP" altLang="en-US" smtClean="0"/>
-              <a:t>2026/1/29</a:t>
+              <a:t>2026/1/31</a:t>
             </a:fld>
             <a:endParaRPr kumimoji="1" lang="ja-JP" altLang="en-US"/>
           </a:p>
@@ -2182,7 +2184,7 @@
           <a:p>
             <a:fld id="{5344CEB7-1FFD-4405-98AF-1DAF0CFE524A}" type="datetimeFigureOut">
               <a:rPr kumimoji="1" lang="ja-JP" altLang="en-US" smtClean="0"/>
-              <a:t>2026/1/29</a:t>
+              <a:t>2026/1/31</a:t>
             </a:fld>
             <a:endParaRPr kumimoji="1" lang="ja-JP" altLang="en-US"/>
           </a:p>
@@ -2295,7 +2297,7 @@
           <a:p>
             <a:fld id="{5344CEB7-1FFD-4405-98AF-1DAF0CFE524A}" type="datetimeFigureOut">
               <a:rPr kumimoji="1" lang="ja-JP" altLang="en-US" smtClean="0"/>
-              <a:t>2026/1/29</a:t>
+              <a:t>2026/1/31</a:t>
             </a:fld>
             <a:endParaRPr kumimoji="1" lang="ja-JP" altLang="en-US"/>
           </a:p>
@@ -2638,7 +2640,7 @@
           <a:p>
             <a:fld id="{5344CEB7-1FFD-4405-98AF-1DAF0CFE524A}" type="datetimeFigureOut">
               <a:rPr kumimoji="1" lang="ja-JP" altLang="en-US" smtClean="0"/>
-              <a:t>2026/1/29</a:t>
+              <a:t>2026/1/31</a:t>
             </a:fld>
             <a:endParaRPr kumimoji="1" lang="ja-JP" altLang="en-US"/>
           </a:p>
@@ -2926,7 +2928,7 @@
           <a:p>
             <a:fld id="{5344CEB7-1FFD-4405-98AF-1DAF0CFE524A}" type="datetimeFigureOut">
               <a:rPr kumimoji="1" lang="ja-JP" altLang="en-US" smtClean="0"/>
-              <a:t>2026/1/29</a:t>
+              <a:t>2026/1/31</a:t>
             </a:fld>
             <a:endParaRPr kumimoji="1" lang="ja-JP" altLang="en-US"/>
           </a:p>
@@ -3199,7 +3201,7 @@
           <a:p>
             <a:fld id="{5344CEB7-1FFD-4405-98AF-1DAF0CFE524A}" type="datetimeFigureOut">
               <a:rPr kumimoji="1" lang="ja-JP" altLang="en-US" smtClean="0"/>
-              <a:t>2026/1/29</a:t>
+              <a:t>2026/1/31</a:t>
             </a:fld>
             <a:endParaRPr kumimoji="1" lang="ja-JP" altLang="en-US"/>
           </a:p>
@@ -3876,6 +3878,122 @@
           </a:p>
         </p:txBody>
       </p:sp>
+      <p:sp>
+        <p:nvSpPr>
+          <p:cNvPr id="8" name="テキスト ボックス 7">
+            <a:extLst>
+              <a:ext uri="{FF2B5EF4-FFF2-40B4-BE49-F238E27FC236}">
+                <a16:creationId xmlns:a16="http://schemas.microsoft.com/office/drawing/2014/main" id="{EA0868D6-8245-4300-949A-5D87AB431D11}"/>
+              </a:ext>
+            </a:extLst>
+          </p:cNvPr>
+          <p:cNvSpPr txBox="1"/>
+          <p:nvPr/>
+        </p:nvSpPr>
+        <p:spPr>
+          <a:xfrm>
+            <a:off x="818758" y="4679467"/>
+            <a:ext cx="9499213" cy="1477328"/>
+          </a:xfrm>
+          <a:prstGeom prst="rect">
+            <a:avLst/>
+          </a:prstGeom>
+          <a:noFill/>
+        </p:spPr>
+        <p:txBody>
+          <a:bodyPr wrap="square" rtlCol="0">
+            <a:spAutoFit/>
+          </a:bodyPr>
+          <a:lstStyle/>
+          <a:p>
+            <a:pPr marL="285750" indent="-285750">
+              <a:buFont typeface="Arial" panose="020B0604020202020204" pitchFamily="34" charset="0"/>
+              <a:buChar char="•"/>
+            </a:pPr>
+            <a:r>
+              <a:rPr kumimoji="1" lang="en-US" altLang="ja-JP" dirty="0"/>
+              <a:t>The clipping rectangle is cyan by default, but you can set it to any color.</a:t>
+            </a:r>
+          </a:p>
+          <a:p>
+            <a:pPr marL="285750" indent="-285750">
+              <a:buFont typeface="Arial" panose="020B0604020202020204" pitchFamily="34" charset="0"/>
+              <a:buChar char="•"/>
+            </a:pPr>
+            <a:r>
+              <a:rPr kumimoji="1" lang="en-US" altLang="ja-JP" dirty="0"/>
+              <a:t>The output format is determined by the file name extension.</a:t>
+            </a:r>
+          </a:p>
+          <a:p>
+            <a:pPr marL="285750" indent="-285750">
+              <a:buFont typeface="Arial" panose="020B0604020202020204" pitchFamily="34" charset="0"/>
+              <a:buChar char="•"/>
+            </a:pPr>
+            <a:r>
+              <a:rPr kumimoji="1" lang="en-US" altLang="ja-JP" dirty="0"/>
+              <a:t>If no file name is specified, a unique file name will be automatically assigned, and the output will be saved as a PDF file.</a:t>
+            </a:r>
+          </a:p>
+          <a:p>
+            <a:pPr marL="285750" indent="-285750">
+              <a:buFont typeface="Arial" panose="020B0604020202020204" pitchFamily="34" charset="0"/>
+              <a:buChar char="•"/>
+            </a:pPr>
+            <a:r>
+              <a:rPr kumimoji="1" lang="en-US" altLang="ja-JP" dirty="0"/>
+              <a:t>Any objects outside the clipping frame, such as shapes or text strings, will be ignored.</a:t>
+            </a:r>
+            <a:endParaRPr kumimoji="1" lang="ja-JP" altLang="en-US" dirty="0"/>
+          </a:p>
+        </p:txBody>
+      </p:sp>
+      <p:sp>
+        <p:nvSpPr>
+          <p:cNvPr id="11" name="五角形 10">
+            <a:extLst>
+              <a:ext uri="{FF2B5EF4-FFF2-40B4-BE49-F238E27FC236}">
+                <a16:creationId xmlns:a16="http://schemas.microsoft.com/office/drawing/2014/main" id="{FEF3D300-5F3E-40FC-81E0-D71CA0880CE0}"/>
+              </a:ext>
+            </a:extLst>
+          </p:cNvPr>
+          <p:cNvSpPr/>
+          <p:nvPr/>
+        </p:nvSpPr>
+        <p:spPr>
+          <a:xfrm>
+            <a:off x="6659397" y="1031341"/>
+            <a:ext cx="1787504" cy="1702385"/>
+          </a:xfrm>
+          <a:prstGeom prst="pentagon">
+            <a:avLst/>
+          </a:prstGeom>
+        </p:spPr>
+        <p:style>
+          <a:lnRef idx="2">
+            <a:schemeClr val="accent1">
+              <a:shade val="50000"/>
+            </a:schemeClr>
+          </a:lnRef>
+          <a:fillRef idx="1">
+            <a:schemeClr val="accent1"/>
+          </a:fillRef>
+          <a:effectRef idx="0">
+            <a:schemeClr val="accent1"/>
+          </a:effectRef>
+          <a:fontRef idx="minor">
+            <a:schemeClr val="lt1"/>
+          </a:fontRef>
+        </p:style>
+        <p:txBody>
+          <a:bodyPr rtlCol="0" anchor="ctr"/>
+          <a:lstStyle/>
+          <a:p>
+            <a:pPr algn="ctr"/>
+            <a:endParaRPr kumimoji="1" lang="ja-JP" altLang="en-US"/>
+          </a:p>
+        </p:txBody>
+      </p:sp>
     </p:spTree>
     <p:extLst>
       <p:ext uri="{BB962C8B-B14F-4D97-AF65-F5344CB8AC3E}">
@@ -4087,6 +4205,46 @@
           <a:p>
             <a:pPr algn="ctr"/>
             <a:endParaRPr kumimoji="1" lang="ja-JP" altLang="en-US"/>
+          </a:p>
+        </p:txBody>
+      </p:sp>
+      <p:sp>
+        <p:nvSpPr>
+          <p:cNvPr id="3" name="テキスト ボックス 2">
+            <a:extLst>
+              <a:ext uri="{FF2B5EF4-FFF2-40B4-BE49-F238E27FC236}">
+                <a16:creationId xmlns:a16="http://schemas.microsoft.com/office/drawing/2014/main" id="{7E8E2BB1-1073-40E9-8BC2-3A1EBBC1DC2C}"/>
+              </a:ext>
+            </a:extLst>
+          </p:cNvPr>
+          <p:cNvSpPr txBox="1"/>
+          <p:nvPr/>
+        </p:nvSpPr>
+        <p:spPr>
+          <a:xfrm>
+            <a:off x="1085481" y="4855169"/>
+            <a:ext cx="8065028" cy="369332"/>
+          </a:xfrm>
+          <a:prstGeom prst="rect">
+            <a:avLst/>
+          </a:prstGeom>
+          <a:noFill/>
+        </p:spPr>
+        <p:txBody>
+          <a:bodyPr wrap="none" rtlCol="0">
+            <a:spAutoFit/>
+          </a:bodyPr>
+          <a:lstStyle/>
+          <a:p>
+            <a:pPr marL="285750" indent="-285750">
+              <a:buFont typeface="Arial" panose="020B0604020202020204" pitchFamily="34" charset="0"/>
+              <a:buChar char="•"/>
+            </a:pPr>
+            <a:r>
+              <a:rPr kumimoji="1" lang="en-US" altLang="ja-JP" dirty="0"/>
+              <a:t>Objects that span the clipping rectangle are clipped without protruding.</a:t>
+            </a:r>
+            <a:endParaRPr kumimoji="1" lang="ja-JP" altLang="en-US" dirty="0"/>
           </a:p>
         </p:txBody>
       </p:sp>
@@ -4761,10 +4919,1419 @@
           </a:p>
         </p:txBody>
       </p:sp>
+      <p:sp>
+        <p:nvSpPr>
+          <p:cNvPr id="15" name="テキスト ボックス 14">
+            <a:extLst>
+              <a:ext uri="{FF2B5EF4-FFF2-40B4-BE49-F238E27FC236}">
+                <a16:creationId xmlns:a16="http://schemas.microsoft.com/office/drawing/2014/main" id="{E22ADE4C-696D-4E70-89DA-A773199594C8}"/>
+              </a:ext>
+            </a:extLst>
+          </p:cNvPr>
+          <p:cNvSpPr txBox="1"/>
+          <p:nvPr/>
+        </p:nvSpPr>
+        <p:spPr>
+          <a:xfrm>
+            <a:off x="1443867" y="4813412"/>
+            <a:ext cx="8880003" cy="646331"/>
+          </a:xfrm>
+          <a:prstGeom prst="rect">
+            <a:avLst/>
+          </a:prstGeom>
+          <a:noFill/>
+        </p:spPr>
+        <p:txBody>
+          <a:bodyPr wrap="square">
+            <a:spAutoFit/>
+          </a:bodyPr>
+          <a:lstStyle/>
+          <a:p>
+            <a:pPr marL="285750" indent="-285750">
+              <a:buFont typeface="Arial" panose="020B0604020202020204" pitchFamily="34" charset="0"/>
+              <a:buChar char="•"/>
+            </a:pPr>
+            <a:r>
+              <a:rPr lang="ja-JP" altLang="en-US" dirty="0"/>
+              <a:t>When multiple clipping rectangles exist, they will be output as separate figures.</a:t>
+            </a:r>
+            <a:endParaRPr lang="en-US" altLang="ja-JP" dirty="0"/>
+          </a:p>
+          <a:p>
+            <a:pPr marL="285750" indent="-285750">
+              <a:buFont typeface="Arial" panose="020B0604020202020204" pitchFamily="34" charset="0"/>
+              <a:buChar char="•"/>
+            </a:pPr>
+            <a:r>
+              <a:rPr lang="ja-JP" altLang="en-US" dirty="0"/>
+              <a:t>File names are automatically detected based on their distance from the clipping.</a:t>
+            </a:r>
+          </a:p>
+        </p:txBody>
+      </p:sp>
     </p:spTree>
     <p:extLst>
       <p:ext uri="{BB962C8B-B14F-4D97-AF65-F5344CB8AC3E}">
         <p14:creationId xmlns:p14="http://schemas.microsoft.com/office/powerpoint/2010/main" val="849684504"/>
+      </p:ext>
+    </p:extLst>
+  </p:cSld>
+  <p:clrMapOvr>
+    <a:masterClrMapping/>
+  </p:clrMapOvr>
+</p:sld>
+</file>
+
+<file path=ppt/slides/slide4.xml><?xml version="1.0" encoding="utf-8"?>
+<p:sld xmlns:a="http://schemas.openxmlformats.org/drawingml/2006/main" xmlns:r="http://schemas.openxmlformats.org/officeDocument/2006/relationships" xmlns:p="http://schemas.openxmlformats.org/presentationml/2006/main">
+  <p:cSld>
+    <p:spTree>
+      <p:nvGrpSpPr>
+        <p:cNvPr id="1" name=""/>
+        <p:cNvGrpSpPr/>
+        <p:nvPr/>
+      </p:nvGrpSpPr>
+      <p:grpSpPr>
+        <a:xfrm>
+          <a:off x="0" y="0"/>
+          <a:ext cx="0" cy="0"/>
+          <a:chOff x="0" y="0"/>
+          <a:chExt cx="0" cy="0"/>
+        </a:xfrm>
+      </p:grpSpPr>
+      <p:sp>
+        <p:nvSpPr>
+          <p:cNvPr id="4" name="テキスト ボックス 3">
+            <a:extLst>
+              <a:ext uri="{FF2B5EF4-FFF2-40B4-BE49-F238E27FC236}">
+                <a16:creationId xmlns:a16="http://schemas.microsoft.com/office/drawing/2014/main" id="{8307237C-B09B-4562-A46C-C3DB2744CDBD}"/>
+              </a:ext>
+            </a:extLst>
+          </p:cNvPr>
+          <p:cNvSpPr txBox="1"/>
+          <p:nvPr/>
+        </p:nvSpPr>
+        <p:spPr>
+          <a:xfrm>
+            <a:off x="4595112" y="1543127"/>
+            <a:ext cx="899150" cy="1836399"/>
+          </a:xfrm>
+          <a:custGeom>
+            <a:avLst/>
+            <a:gdLst/>
+            <a:ahLst/>
+            <a:cxnLst/>
+            <a:rect l="l" t="t" r="r" b="b"/>
+            <a:pathLst>
+              <a:path w="899150" h="1836399">
+                <a:moveTo>
+                  <a:pt x="0" y="0"/>
+                </a:moveTo>
+                <a:lnTo>
+                  <a:pt x="751815" y="0"/>
+                </a:lnTo>
+                <a:cubicBezTo>
+                  <a:pt x="786324" y="0"/>
+                  <a:pt x="819653" y="1669"/>
+                  <a:pt x="851800" y="5007"/>
+                </a:cubicBezTo>
+                <a:lnTo>
+                  <a:pt x="899150" y="12663"/>
+                </a:lnTo>
+                <a:lnTo>
+                  <a:pt x="899150" y="437826"/>
+                </a:lnTo>
+                <a:lnTo>
+                  <a:pt x="892163" y="428750"/>
+                </a:lnTo>
+                <a:cubicBezTo>
+                  <a:pt x="874806" y="412419"/>
+                  <a:pt x="854522" y="398503"/>
+                  <a:pt x="831310" y="386999"/>
+                </a:cubicBezTo>
+                <a:cubicBezTo>
+                  <a:pt x="784886" y="363993"/>
+                  <a:pt x="727576" y="352490"/>
+                  <a:pt x="659378" y="352490"/>
+                </a:cubicBezTo>
+                <a:lnTo>
+                  <a:pt x="435066" y="352490"/>
+                </a:lnTo>
+                <a:lnTo>
+                  <a:pt x="435066" y="919432"/>
+                </a:lnTo>
+                <a:lnTo>
+                  <a:pt x="660611" y="919432"/>
+                </a:lnTo>
+                <a:cubicBezTo>
+                  <a:pt x="728808" y="919432"/>
+                  <a:pt x="785913" y="907518"/>
+                  <a:pt x="831926" y="883690"/>
+                </a:cubicBezTo>
+                <a:cubicBezTo>
+                  <a:pt x="854932" y="871776"/>
+                  <a:pt x="875063" y="857500"/>
+                  <a:pt x="892318" y="840861"/>
+                </a:cubicBezTo>
+                <a:lnTo>
+                  <a:pt x="899150" y="831833"/>
+                </a:lnTo>
+                <a:lnTo>
+                  <a:pt x="899150" y="1249304"/>
+                </a:lnTo>
+                <a:lnTo>
+                  <a:pt x="841247" y="1258365"/>
+                </a:lnTo>
+                <a:cubicBezTo>
+                  <a:pt x="808535" y="1261652"/>
+                  <a:pt x="774616" y="1263295"/>
+                  <a:pt x="739490" y="1263295"/>
+                </a:cubicBezTo>
+                <a:lnTo>
+                  <a:pt x="435066" y="1263295"/>
+                </a:lnTo>
+                <a:lnTo>
+                  <a:pt x="435066" y="1836399"/>
+                </a:lnTo>
+                <a:lnTo>
+                  <a:pt x="0" y="1836399"/>
+                </a:lnTo>
+                <a:lnTo>
+                  <a:pt x="0" y="0"/>
+                </a:lnTo>
+                <a:close/>
+              </a:path>
+            </a:pathLst>
+          </a:custGeom>
+          <a:solidFill>
+            <a:srgbClr val="D24726"/>
+          </a:solidFill>
+          <a:ln>
+            <a:noFill/>
+          </a:ln>
+          <a:effectLst/>
+        </p:spPr>
+        <p:txBody>
+          <a:bodyPr rot="0" spcFirstLastPara="0" vertOverflow="overflow" horzOverflow="overflow" vert="horz" wrap="square" lIns="91440" tIns="45720" rIns="91440" bIns="45720" numCol="1" spcCol="0" rtlCol="0" fromWordArt="0" anchor="t" anchorCtr="0" forceAA="0" compatLnSpc="1">
+            <a:prstTxWarp prst="textNoShape">
+              <a:avLst/>
+            </a:prstTxWarp>
+            <a:noAutofit/>
+          </a:bodyPr>
+          <a:lstStyle/>
+          <a:p>
+            <a:endParaRPr kumimoji="1" lang="ja-JP" altLang="en-US" sz="19900" b="1" dirty="0">
+              <a:solidFill>
+                <a:srgbClr val="D24726"/>
+              </a:solidFill>
+              <a:latin typeface="Inter ExtraBold" panose="02000503000000020004" pitchFamily="2" charset="0"/>
+            </a:endParaRPr>
+          </a:p>
+        </p:txBody>
+      </p:sp>
+      <p:sp>
+        <p:nvSpPr>
+          <p:cNvPr id="5" name="正方形/長方形 4">
+            <a:extLst>
+              <a:ext uri="{FF2B5EF4-FFF2-40B4-BE49-F238E27FC236}">
+                <a16:creationId xmlns:a16="http://schemas.microsoft.com/office/drawing/2014/main" id="{98DF52D6-A72D-4AE2-88A8-108D185E7F14}"/>
+              </a:ext>
+            </a:extLst>
+          </p:cNvPr>
+          <p:cNvSpPr/>
+          <p:nvPr/>
+        </p:nvSpPr>
+        <p:spPr>
+          <a:xfrm>
+            <a:off x="1100589" y="1040573"/>
+            <a:ext cx="10739416" cy="2828041"/>
+          </a:xfrm>
+          <a:prstGeom prst="rect">
+            <a:avLst/>
+          </a:prstGeom>
+          <a:noFill/>
+          <a:ln>
+            <a:solidFill>
+              <a:srgbClr val="FF00FF"/>
+            </a:solidFill>
+          </a:ln>
+        </p:spPr>
+        <p:style>
+          <a:lnRef idx="2">
+            <a:schemeClr val="accent1">
+              <a:shade val="50000"/>
+            </a:schemeClr>
+          </a:lnRef>
+          <a:fillRef idx="1">
+            <a:schemeClr val="accent1"/>
+          </a:fillRef>
+          <a:effectRef idx="0">
+            <a:schemeClr val="accent1"/>
+          </a:effectRef>
+          <a:fontRef idx="minor">
+            <a:schemeClr val="lt1"/>
+          </a:fontRef>
+        </p:style>
+        <p:txBody>
+          <a:bodyPr rtlCol="0" anchor="ctr"/>
+          <a:lstStyle/>
+          <a:p>
+            <a:pPr algn="ctr"/>
+            <a:endParaRPr kumimoji="1" lang="ja-JP" altLang="en-US"/>
+          </a:p>
+        </p:txBody>
+      </p:sp>
+      <p:sp>
+        <p:nvSpPr>
+          <p:cNvPr id="6" name="テキスト ボックス 5">
+            <a:extLst>
+              <a:ext uri="{FF2B5EF4-FFF2-40B4-BE49-F238E27FC236}">
+                <a16:creationId xmlns:a16="http://schemas.microsoft.com/office/drawing/2014/main" id="{FDFBB640-DB27-4691-9C16-A020A12D202A}"/>
+              </a:ext>
+            </a:extLst>
+          </p:cNvPr>
+          <p:cNvSpPr txBox="1"/>
+          <p:nvPr/>
+        </p:nvSpPr>
+        <p:spPr>
+          <a:xfrm>
+            <a:off x="1477206" y="904931"/>
+            <a:ext cx="1848583" cy="3154710"/>
+          </a:xfrm>
+          <a:prstGeom prst="rect">
+            <a:avLst/>
+          </a:prstGeom>
+          <a:noFill/>
+        </p:spPr>
+        <p:txBody>
+          <a:bodyPr wrap="none" rtlCol="0">
+            <a:spAutoFit/>
+          </a:bodyPr>
+          <a:lstStyle/>
+          <a:p>
+            <a:r>
+              <a:rPr kumimoji="1" lang="en-US" altLang="ja-JP" sz="19900" b="1" dirty="0">
+                <a:solidFill>
+                  <a:srgbClr val="D24726"/>
+                </a:solidFill>
+                <a:latin typeface="Inter ExtraBold" panose="02000503000000020004" pitchFamily="2" charset="0"/>
+                <a:ea typeface="Inter ExtraBold" panose="02000503000000020004" pitchFamily="2" charset="0"/>
+              </a:rPr>
+              <a:t>P</a:t>
+            </a:r>
+            <a:endParaRPr kumimoji="1" lang="ja-JP" altLang="en-US" sz="19900" b="1" dirty="0">
+              <a:solidFill>
+                <a:srgbClr val="D24726"/>
+              </a:solidFill>
+              <a:latin typeface="Inter ExtraBold" panose="02000503000000020004" pitchFamily="2" charset="0"/>
+            </a:endParaRPr>
+          </a:p>
+        </p:txBody>
+      </p:sp>
+      <p:sp>
+        <p:nvSpPr>
+          <p:cNvPr id="7" name="四角形: 角を丸くする 6">
+            <a:extLst>
+              <a:ext uri="{FF2B5EF4-FFF2-40B4-BE49-F238E27FC236}">
+                <a16:creationId xmlns:a16="http://schemas.microsoft.com/office/drawing/2014/main" id="{AFD49B05-8B8B-4EAC-97BF-0442723EA4B4}"/>
+              </a:ext>
+            </a:extLst>
+          </p:cNvPr>
+          <p:cNvSpPr/>
+          <p:nvPr/>
+        </p:nvSpPr>
+        <p:spPr>
+          <a:xfrm>
+            <a:off x="1595714" y="1396643"/>
+            <a:ext cx="1019221" cy="2160621"/>
+          </a:xfrm>
+          <a:prstGeom prst="roundRect">
+            <a:avLst/>
+          </a:prstGeom>
+          <a:noFill/>
+          <a:ln w="76200">
+            <a:solidFill>
+              <a:srgbClr val="22D3EE"/>
+            </a:solidFill>
+            <a:prstDash val="sysDash"/>
+          </a:ln>
+        </p:spPr>
+        <p:style>
+          <a:lnRef idx="2">
+            <a:schemeClr val="accent1">
+              <a:shade val="50000"/>
+            </a:schemeClr>
+          </a:lnRef>
+          <a:fillRef idx="1">
+            <a:schemeClr val="accent1"/>
+          </a:fillRef>
+          <a:effectRef idx="0">
+            <a:schemeClr val="accent1"/>
+          </a:effectRef>
+          <a:fontRef idx="minor">
+            <a:schemeClr val="lt1"/>
+          </a:fontRef>
+        </p:style>
+        <p:txBody>
+          <a:bodyPr rtlCol="0" anchor="ctr"/>
+          <a:lstStyle/>
+          <a:p>
+            <a:pPr algn="ctr"/>
+            <a:endParaRPr kumimoji="1" lang="ja-JP" altLang="en-US"/>
+          </a:p>
+        </p:txBody>
+      </p:sp>
+      <p:sp>
+        <p:nvSpPr>
+          <p:cNvPr id="8" name="テキスト ボックス 7">
+            <a:extLst>
+              <a:ext uri="{FF2B5EF4-FFF2-40B4-BE49-F238E27FC236}">
+                <a16:creationId xmlns:a16="http://schemas.microsoft.com/office/drawing/2014/main" id="{177CEB03-86AF-4527-AC62-438D0AF18C9E}"/>
+              </a:ext>
+            </a:extLst>
+          </p:cNvPr>
+          <p:cNvSpPr txBox="1"/>
+          <p:nvPr/>
+        </p:nvSpPr>
+        <p:spPr>
+          <a:xfrm>
+            <a:off x="2419657" y="4059641"/>
+            <a:ext cx="2113079" cy="369332"/>
+          </a:xfrm>
+          <a:prstGeom prst="rect">
+            <a:avLst/>
+          </a:prstGeom>
+          <a:noFill/>
+        </p:spPr>
+        <p:txBody>
+          <a:bodyPr wrap="none" rtlCol="0">
+            <a:spAutoFit/>
+          </a:bodyPr>
+          <a:lstStyle/>
+          <a:p>
+            <a:r>
+              <a:rPr lang="en-US" altLang="ja-JP" dirty="0"/>
+              <a:t>filename=</a:t>
+            </a:r>
+            <a:r>
+              <a:rPr lang="en-US" altLang="ja-JP" dirty="0" err="1"/>
+              <a:t>ptof.svg</a:t>
+            </a:r>
+            <a:endParaRPr kumimoji="1" lang="ja-JP" altLang="en-US" dirty="0"/>
+          </a:p>
+        </p:txBody>
+      </p:sp>
+      <p:sp>
+        <p:nvSpPr>
+          <p:cNvPr id="9" name="テキスト ボックス 8">
+            <a:extLst>
+              <a:ext uri="{FF2B5EF4-FFF2-40B4-BE49-F238E27FC236}">
+                <a16:creationId xmlns:a16="http://schemas.microsoft.com/office/drawing/2014/main" id="{63FDD987-6CFA-4893-898D-CD5D41C96D07}"/>
+              </a:ext>
+            </a:extLst>
+          </p:cNvPr>
+          <p:cNvSpPr txBox="1"/>
+          <p:nvPr/>
+        </p:nvSpPr>
+        <p:spPr>
+          <a:xfrm>
+            <a:off x="3325789" y="1768753"/>
+            <a:ext cx="894797" cy="923330"/>
+          </a:xfrm>
+          <a:prstGeom prst="rect">
+            <a:avLst/>
+          </a:prstGeom>
+          <a:noFill/>
+        </p:spPr>
+        <p:txBody>
+          <a:bodyPr wrap="none" rtlCol="0">
+            <a:spAutoFit/>
+          </a:bodyPr>
+          <a:lstStyle/>
+          <a:p>
+            <a:pPr algn="ctr"/>
+            <a:r>
+              <a:rPr kumimoji="1" lang="en-US" altLang="ja-JP" sz="5400" dirty="0">
+                <a:latin typeface="Inter Black" panose="02000503000000020004" pitchFamily="2" charset="0"/>
+                <a:ea typeface="Inter Black" panose="02000503000000020004" pitchFamily="2" charset="0"/>
+              </a:rPr>
+              <a:t>to</a:t>
+            </a:r>
+            <a:endParaRPr kumimoji="1" lang="ja-JP" altLang="en-US" sz="5400" dirty="0">
+              <a:latin typeface="Inter Black" panose="02000503000000020004" pitchFamily="2" charset="0"/>
+            </a:endParaRPr>
+          </a:p>
+        </p:txBody>
+      </p:sp>
+      <p:cxnSp>
+        <p:nvCxnSpPr>
+          <p:cNvPr id="10" name="直線矢印コネクタ 9">
+            <a:extLst>
+              <a:ext uri="{FF2B5EF4-FFF2-40B4-BE49-F238E27FC236}">
+                <a16:creationId xmlns:a16="http://schemas.microsoft.com/office/drawing/2014/main" id="{56DD6455-5131-43CD-92C8-5C12176230B7}"/>
+              </a:ext>
+            </a:extLst>
+          </p:cNvPr>
+          <p:cNvCxnSpPr/>
+          <p:nvPr/>
+        </p:nvCxnSpPr>
+        <p:spPr>
+          <a:xfrm>
+            <a:off x="3371774" y="2703882"/>
+            <a:ext cx="802826" cy="0"/>
+          </a:xfrm>
+          <a:prstGeom prst="straightConnector1">
+            <a:avLst/>
+          </a:prstGeom>
+          <a:ln w="76200">
+            <a:solidFill>
+              <a:srgbClr val="0EA5A5"/>
+            </a:solidFill>
+            <a:tailEnd type="triangle"/>
+          </a:ln>
+        </p:spPr>
+        <p:style>
+          <a:lnRef idx="1">
+            <a:schemeClr val="accent1"/>
+          </a:lnRef>
+          <a:fillRef idx="0">
+            <a:schemeClr val="accent1"/>
+          </a:fillRef>
+          <a:effectRef idx="0">
+            <a:schemeClr val="accent1"/>
+          </a:effectRef>
+          <a:fontRef idx="minor">
+            <a:schemeClr val="tx1"/>
+          </a:fontRef>
+        </p:style>
+      </p:cxnSp>
+      <p:sp>
+        <p:nvSpPr>
+          <p:cNvPr id="11" name="テキスト ボックス 10">
+            <a:extLst>
+              <a:ext uri="{FF2B5EF4-FFF2-40B4-BE49-F238E27FC236}">
+                <a16:creationId xmlns:a16="http://schemas.microsoft.com/office/drawing/2014/main" id="{CD120A6F-7F64-4491-A38D-432AD8565117}"/>
+              </a:ext>
+            </a:extLst>
+          </p:cNvPr>
+          <p:cNvSpPr txBox="1"/>
+          <p:nvPr/>
+        </p:nvSpPr>
+        <p:spPr>
+          <a:xfrm>
+            <a:off x="6174364" y="2153787"/>
+            <a:ext cx="5442580" cy="646331"/>
+          </a:xfrm>
+          <a:prstGeom prst="rect">
+            <a:avLst/>
+          </a:prstGeom>
+          <a:noFill/>
+        </p:spPr>
+        <p:txBody>
+          <a:bodyPr wrap="none" rtlCol="0">
+            <a:spAutoFit/>
+          </a:bodyPr>
+          <a:lstStyle/>
+          <a:p>
+            <a:r>
+              <a:rPr kumimoji="1" lang="en-US" altLang="ja-JP" sz="3600" dirty="0" err="1">
+                <a:latin typeface="Arial Rounded MT Bold" panose="020F0704030504030204" pitchFamily="34" charset="0"/>
+              </a:rPr>
+              <a:t>PtoF</a:t>
+            </a:r>
+            <a:r>
+              <a:rPr kumimoji="1" lang="en-US" altLang="ja-JP" sz="3600" dirty="0">
+                <a:latin typeface="Arial Rounded MT Bold" panose="020F0704030504030204" pitchFamily="34" charset="0"/>
+              </a:rPr>
+              <a:t> </a:t>
+            </a:r>
+            <a:r>
+              <a:rPr kumimoji="1" lang="ja-JP" altLang="en-US" sz="3600" dirty="0">
+                <a:latin typeface="Arial Rounded MT Bold" panose="020F0704030504030204" pitchFamily="34" charset="0"/>
+              </a:rPr>
+              <a:t>－ </a:t>
+            </a:r>
+            <a:r>
+              <a:rPr kumimoji="1" lang="en-US" altLang="ja-JP" sz="3600" dirty="0">
+                <a:latin typeface="Arial Rounded MT Bold" panose="020F0704030504030204" pitchFamily="34" charset="0"/>
+              </a:rPr>
+              <a:t>PPTX to Figures</a:t>
+            </a:r>
+            <a:endParaRPr kumimoji="1" lang="ja-JP" altLang="en-US" sz="3600" dirty="0">
+              <a:latin typeface="Arial Rounded MT Bold" panose="020F0704030504030204" pitchFamily="34" charset="0"/>
+            </a:endParaRPr>
+          </a:p>
+        </p:txBody>
+      </p:sp>
+      <p:sp>
+        <p:nvSpPr>
+          <p:cNvPr id="12" name="テキスト ボックス 11">
+            <a:extLst>
+              <a:ext uri="{FF2B5EF4-FFF2-40B4-BE49-F238E27FC236}">
+                <a16:creationId xmlns:a16="http://schemas.microsoft.com/office/drawing/2014/main" id="{DC24B33D-F38F-48E7-A8BC-9371CD6FEF1B}"/>
+              </a:ext>
+            </a:extLst>
+          </p:cNvPr>
+          <p:cNvSpPr txBox="1"/>
+          <p:nvPr/>
+        </p:nvSpPr>
+        <p:spPr>
+          <a:xfrm>
+            <a:off x="834784" y="5138191"/>
+            <a:ext cx="10522432" cy="646331"/>
+          </a:xfrm>
+          <a:prstGeom prst="rect">
+            <a:avLst/>
+          </a:prstGeom>
+          <a:noFill/>
+        </p:spPr>
+        <p:txBody>
+          <a:bodyPr wrap="none" rtlCol="0">
+            <a:spAutoFit/>
+          </a:bodyPr>
+          <a:lstStyle/>
+          <a:p>
+            <a:pPr marL="285750" indent="-285750">
+              <a:buFont typeface="Arial" panose="020B0604020202020204" pitchFamily="34" charset="0"/>
+              <a:buChar char="•"/>
+            </a:pPr>
+            <a:r>
+              <a:rPr kumimoji="1" lang="en-US" altLang="ja-JP" dirty="0"/>
+              <a:t>Using rectangles of different colors (magenta in this slide) allows you to switch the output file.</a:t>
+            </a:r>
+          </a:p>
+          <a:p>
+            <a:pPr marL="285750" indent="-285750">
+              <a:buFont typeface="Arial" panose="020B0604020202020204" pitchFamily="34" charset="0"/>
+              <a:buChar char="•"/>
+            </a:pPr>
+            <a:r>
+              <a:rPr kumimoji="1" lang="en-US" altLang="ja-JP" dirty="0"/>
+              <a:t>The logo image of </a:t>
+            </a:r>
+            <a:r>
+              <a:rPr kumimoji="1" lang="en-US" altLang="ja-JP" dirty="0" err="1"/>
+              <a:t>PtoF</a:t>
+            </a:r>
+            <a:r>
+              <a:rPr kumimoji="1" lang="en-US" altLang="ja-JP" dirty="0"/>
+              <a:t> was generated using </a:t>
+            </a:r>
+            <a:r>
+              <a:rPr kumimoji="1" lang="en-US" altLang="ja-JP" dirty="0" err="1"/>
+              <a:t>PtoF</a:t>
+            </a:r>
+            <a:r>
+              <a:rPr kumimoji="1" lang="en-US" altLang="ja-JP" dirty="0"/>
+              <a:t>.</a:t>
+            </a:r>
+            <a:endParaRPr kumimoji="1" lang="ja-JP" altLang="en-US" dirty="0"/>
+          </a:p>
+        </p:txBody>
+      </p:sp>
+    </p:spTree>
+    <p:extLst>
+      <p:ext uri="{BB962C8B-B14F-4D97-AF65-F5344CB8AC3E}">
+        <p14:creationId xmlns:p14="http://schemas.microsoft.com/office/powerpoint/2010/main" val="264043237"/>
+      </p:ext>
+    </p:extLst>
+  </p:cSld>
+  <p:clrMapOvr>
+    <a:masterClrMapping/>
+  </p:clrMapOvr>
+</p:sld>
+</file>
+
+<file path=ppt/slides/slide5.xml><?xml version="1.0" encoding="utf-8"?>
+<p:sld xmlns:a="http://schemas.openxmlformats.org/drawingml/2006/main" xmlns:r="http://schemas.openxmlformats.org/officeDocument/2006/relationships" xmlns:p="http://schemas.openxmlformats.org/presentationml/2006/main">
+  <p:cSld>
+    <p:spTree>
+      <p:nvGrpSpPr>
+        <p:cNvPr id="1" name=""/>
+        <p:cNvGrpSpPr/>
+        <p:nvPr/>
+      </p:nvGrpSpPr>
+      <p:grpSpPr>
+        <a:xfrm>
+          <a:off x="0" y="0"/>
+          <a:ext cx="0" cy="0"/>
+          <a:chOff x="0" y="0"/>
+          <a:chExt cx="0" cy="0"/>
+        </a:xfrm>
+      </p:grpSpPr>
+      <p:sp>
+        <p:nvSpPr>
+          <p:cNvPr id="2" name="楕円 1">
+            <a:extLst>
+              <a:ext uri="{FF2B5EF4-FFF2-40B4-BE49-F238E27FC236}">
+                <a16:creationId xmlns:a16="http://schemas.microsoft.com/office/drawing/2014/main" id="{7B21F306-9CFD-4A8F-B925-A29A5ED5F7BD}"/>
+              </a:ext>
+            </a:extLst>
+          </p:cNvPr>
+          <p:cNvSpPr/>
+          <p:nvPr/>
+        </p:nvSpPr>
+        <p:spPr>
+          <a:xfrm>
+            <a:off x="2542622" y="2224057"/>
+            <a:ext cx="1427644" cy="1427644"/>
+          </a:xfrm>
+          <a:prstGeom prst="ellipse">
+            <a:avLst/>
+          </a:prstGeom>
+        </p:spPr>
+        <p:style>
+          <a:lnRef idx="2">
+            <a:schemeClr val="accent1">
+              <a:shade val="50000"/>
+            </a:schemeClr>
+          </a:lnRef>
+          <a:fillRef idx="1">
+            <a:schemeClr val="accent1"/>
+          </a:fillRef>
+          <a:effectRef idx="0">
+            <a:schemeClr val="accent1"/>
+          </a:effectRef>
+          <a:fontRef idx="minor">
+            <a:schemeClr val="lt1"/>
+          </a:fontRef>
+        </p:style>
+        <p:txBody>
+          <a:bodyPr rtlCol="0" anchor="ctr"/>
+          <a:lstStyle/>
+          <a:p>
+            <a:pPr algn="ctr"/>
+            <a:endParaRPr kumimoji="1" lang="ja-JP" altLang="en-US"/>
+          </a:p>
+        </p:txBody>
+      </p:sp>
+      <p:sp>
+        <p:nvSpPr>
+          <p:cNvPr id="3" name="楕円 2">
+            <a:extLst>
+              <a:ext uri="{FF2B5EF4-FFF2-40B4-BE49-F238E27FC236}">
+                <a16:creationId xmlns:a16="http://schemas.microsoft.com/office/drawing/2014/main" id="{BA97F09D-784C-40F1-8746-94854FBE30CF}"/>
+              </a:ext>
+            </a:extLst>
+          </p:cNvPr>
+          <p:cNvSpPr/>
+          <p:nvPr/>
+        </p:nvSpPr>
+        <p:spPr>
+          <a:xfrm>
+            <a:off x="5881721" y="2064775"/>
+            <a:ext cx="1427644" cy="1427644"/>
+          </a:xfrm>
+          <a:prstGeom prst="ellipse">
+            <a:avLst/>
+          </a:prstGeom>
+        </p:spPr>
+        <p:style>
+          <a:lnRef idx="2">
+            <a:schemeClr val="accent1">
+              <a:shade val="50000"/>
+            </a:schemeClr>
+          </a:lnRef>
+          <a:fillRef idx="1">
+            <a:schemeClr val="accent1"/>
+          </a:fillRef>
+          <a:effectRef idx="0">
+            <a:schemeClr val="accent1"/>
+          </a:effectRef>
+          <a:fontRef idx="minor">
+            <a:schemeClr val="lt1"/>
+          </a:fontRef>
+        </p:style>
+        <p:txBody>
+          <a:bodyPr rtlCol="0" anchor="ctr"/>
+          <a:lstStyle/>
+          <a:p>
+            <a:pPr algn="ctr"/>
+            <a:endParaRPr kumimoji="1" lang="ja-JP" altLang="en-US"/>
+          </a:p>
+        </p:txBody>
+      </p:sp>
+      <mc:AlternateContent xmlns:mc="http://schemas.openxmlformats.org/markup-compatibility/2006">
+        <mc:Choice xmlns:a14="http://schemas.microsoft.com/office/drawing/2010/main" Requires="a14">
+          <p:sp>
+            <p:nvSpPr>
+              <p:cNvPr id="6" name="テキスト ボックス 5">
+                <a:extLst>
+                  <a:ext uri="{FF2B5EF4-FFF2-40B4-BE49-F238E27FC236}">
+                    <a16:creationId xmlns:a16="http://schemas.microsoft.com/office/drawing/2014/main" id="{1A27F0C7-E9C4-49E8-95E0-7F5341DB09CE}"/>
+                  </a:ext>
+                </a:extLst>
+              </p:cNvPr>
+              <p:cNvSpPr txBox="1"/>
+              <p:nvPr/>
+            </p:nvSpPr>
+            <p:spPr>
+              <a:xfrm>
+                <a:off x="1853873" y="1045047"/>
+                <a:ext cx="6096982" cy="818879"/>
+              </a:xfrm>
+              <a:prstGeom prst="rect">
+                <a:avLst/>
+              </a:prstGeom>
+              <a:noFill/>
+            </p:spPr>
+            <p:txBody>
+              <a:bodyPr wrap="square">
+                <a:spAutoFit/>
+              </a:bodyPr>
+              <a:lstStyle/>
+              <a:p>
+                <a:pPr/>
+                <a14:m>
+                  <m:oMathPara xmlns:m="http://schemas.openxmlformats.org/officeDocument/2006/math">
+                    <m:oMathParaPr>
+                      <m:jc m:val="centerGroup"/>
+                    </m:oMathParaPr>
+                    <m:oMath xmlns:m="http://schemas.openxmlformats.org/officeDocument/2006/math">
+                      <m:d>
+                        <m:dPr>
+                          <m:begChr m:val="⟨"/>
+                          <m:endChr m:val="⟩"/>
+                          <m:ctrlPr>
+                            <a:rPr lang="en-US" altLang="ja-JP" b="0" i="1" smtClean="0">
+                              <a:latin typeface="Cambria Math" panose="02040503050406030204" pitchFamily="18" charset="0"/>
+                            </a:rPr>
+                          </m:ctrlPr>
+                        </m:dPr>
+                        <m:e>
+                          <m:sSub>
+                            <m:sSubPr>
+                              <m:ctrlPr>
+                                <a:rPr lang="en-US" altLang="ja-JP" b="0" i="1" smtClean="0">
+                                  <a:latin typeface="Cambria Math" panose="02040503050406030204" pitchFamily="18" charset="0"/>
+                                </a:rPr>
+                              </m:ctrlPr>
+                            </m:sSubPr>
+                            <m:e>
+                              <m:r>
+                                <a:rPr lang="en-US" altLang="ja-JP" b="0" i="1" smtClean="0">
+                                  <a:latin typeface="Cambria Math" panose="02040503050406030204" pitchFamily="18" charset="0"/>
+                                </a:rPr>
+                                <m:t>𝜒</m:t>
+                              </m:r>
+                            </m:e>
+                            <m:sub>
+                              <m:r>
+                                <a:rPr lang="en-US" altLang="ja-JP" b="0" i="1" smtClean="0">
+                                  <a:latin typeface="Cambria Math" panose="02040503050406030204" pitchFamily="18" charset="0"/>
+                                </a:rPr>
+                                <m:t>𝜇</m:t>
+                              </m:r>
+                            </m:sub>
+                          </m:sSub>
+                          <m:sSub>
+                            <m:sSubPr>
+                              <m:ctrlPr>
+                                <a:rPr lang="en-US" altLang="ja-JP" b="0" i="1" smtClean="0">
+                                  <a:latin typeface="Cambria Math" panose="02040503050406030204" pitchFamily="18" charset="0"/>
+                                </a:rPr>
+                              </m:ctrlPr>
+                            </m:sSubPr>
+                            <m:e>
+                              <m:r>
+                                <a:rPr lang="en-US" altLang="ja-JP" b="0" i="1" smtClean="0">
+                                  <a:latin typeface="Cambria Math" panose="02040503050406030204" pitchFamily="18" charset="0"/>
+                                </a:rPr>
+                                <m:t>𝜒</m:t>
+                              </m:r>
+                            </m:e>
+                            <m:sub>
+                              <m:r>
+                                <a:rPr lang="en-US" altLang="ja-JP" b="0" i="1" smtClean="0">
+                                  <a:latin typeface="Cambria Math" panose="02040503050406030204" pitchFamily="18" charset="0"/>
+                                </a:rPr>
+                                <m:t>𝜈</m:t>
+                              </m:r>
+                            </m:sub>
+                          </m:sSub>
+                          <m:r>
+                            <m:rPr>
+                              <m:lit/>
+                            </m:rPr>
+                            <a:rPr lang="en-US" altLang="ja-JP" b="0" i="1" smtClean="0">
+                              <a:latin typeface="Cambria Math" panose="02040503050406030204" pitchFamily="18" charset="0"/>
+                            </a:rPr>
+                            <m:t>||</m:t>
+                          </m:r>
+                          <m:sSub>
+                            <m:sSubPr>
+                              <m:ctrlPr>
+                                <a:rPr lang="en-US" altLang="ja-JP" b="0" i="1" smtClean="0">
+                                  <a:latin typeface="Cambria Math" panose="02040503050406030204" pitchFamily="18" charset="0"/>
+                                </a:rPr>
+                              </m:ctrlPr>
+                            </m:sSubPr>
+                            <m:e>
+                              <m:r>
+                                <a:rPr lang="en-US" altLang="ja-JP" b="0" i="1" smtClean="0">
+                                  <a:latin typeface="Cambria Math" panose="02040503050406030204" pitchFamily="18" charset="0"/>
+                                </a:rPr>
+                                <m:t>𝜒</m:t>
+                              </m:r>
+                            </m:e>
+                            <m:sub>
+                              <m:r>
+                                <a:rPr lang="en-US" altLang="ja-JP" b="0" i="1" smtClean="0">
+                                  <a:latin typeface="Cambria Math" panose="02040503050406030204" pitchFamily="18" charset="0"/>
+                                </a:rPr>
+                                <m:t>𝜆</m:t>
+                              </m:r>
+                            </m:sub>
+                          </m:sSub>
+                          <m:sSub>
+                            <m:sSubPr>
+                              <m:ctrlPr>
+                                <a:rPr lang="en-US" altLang="ja-JP" b="0" i="1" smtClean="0">
+                                  <a:latin typeface="Cambria Math" panose="02040503050406030204" pitchFamily="18" charset="0"/>
+                                </a:rPr>
+                              </m:ctrlPr>
+                            </m:sSubPr>
+                            <m:e>
+                              <m:r>
+                                <a:rPr lang="en-US" altLang="ja-JP" b="0" i="1" smtClean="0">
+                                  <a:latin typeface="Cambria Math" panose="02040503050406030204" pitchFamily="18" charset="0"/>
+                                </a:rPr>
+                                <m:t>𝜒</m:t>
+                              </m:r>
+                            </m:e>
+                            <m:sub>
+                              <m:r>
+                                <a:rPr lang="en-US" altLang="ja-JP" b="0" i="1" smtClean="0">
+                                  <a:latin typeface="Cambria Math" panose="02040503050406030204" pitchFamily="18" charset="0"/>
+                                </a:rPr>
+                                <m:t>𝜎</m:t>
+                              </m:r>
+                            </m:sub>
+                          </m:sSub>
+                        </m:e>
+                      </m:d>
+                      <m:r>
+                        <a:rPr lang="en-US" altLang="ja-JP" b="0" i="1" smtClean="0">
+                          <a:latin typeface="Cambria Math" panose="02040503050406030204" pitchFamily="18" charset="0"/>
+                        </a:rPr>
+                        <m:t>=</m:t>
+                      </m:r>
+                      <m:nary>
+                        <m:naryPr>
+                          <m:chr m:val="∬"/>
+                          <m:limLoc m:val="undOvr"/>
+                          <m:subHide m:val="on"/>
+                          <m:supHide m:val="on"/>
+                          <m:ctrlPr>
+                            <a:rPr lang="en-US" altLang="ja-JP" b="0" i="1" smtClean="0">
+                              <a:latin typeface="Cambria Math" panose="02040503050406030204" pitchFamily="18" charset="0"/>
+                            </a:rPr>
+                          </m:ctrlPr>
+                        </m:naryPr>
+                        <m:sub/>
+                        <m:sup/>
+                        <m:e>
+                          <m:sSub>
+                            <m:sSubPr>
+                              <m:ctrlPr>
+                                <a:rPr lang="en-US" altLang="ja-JP" b="0" i="1" smtClean="0">
+                                  <a:latin typeface="Cambria Math" panose="02040503050406030204" pitchFamily="18" charset="0"/>
+                                </a:rPr>
+                              </m:ctrlPr>
+                            </m:sSubPr>
+                            <m:e>
+                              <m:r>
+                                <a:rPr lang="en-US" altLang="ja-JP" b="0" i="1" smtClean="0">
+                                  <a:latin typeface="Cambria Math" panose="02040503050406030204" pitchFamily="18" charset="0"/>
+                                </a:rPr>
+                                <m:t>𝜒</m:t>
+                              </m:r>
+                            </m:e>
+                            <m:sub>
+                              <m:r>
+                                <a:rPr lang="en-US" altLang="ja-JP" b="0" i="1" smtClean="0">
+                                  <a:latin typeface="Cambria Math" panose="02040503050406030204" pitchFamily="18" charset="0"/>
+                                </a:rPr>
+                                <m:t>𝜇</m:t>
+                              </m:r>
+                            </m:sub>
+                          </m:sSub>
+                          <m:d>
+                            <m:dPr>
+                              <m:ctrlPr>
+                                <a:rPr lang="en-US" altLang="ja-JP" b="0" i="1" smtClean="0">
+                                  <a:latin typeface="Cambria Math" panose="02040503050406030204" pitchFamily="18" charset="0"/>
+                                </a:rPr>
+                              </m:ctrlPr>
+                            </m:dPr>
+                            <m:e>
+                              <m:sSub>
+                                <m:sSubPr>
+                                  <m:ctrlPr>
+                                    <a:rPr lang="en-US" altLang="ja-JP" b="0" i="1" smtClean="0">
+                                      <a:latin typeface="Cambria Math" panose="02040503050406030204" pitchFamily="18" charset="0"/>
+                                    </a:rPr>
+                                  </m:ctrlPr>
+                                </m:sSubPr>
+                                <m:e>
+                                  <m:r>
+                                    <a:rPr lang="en-US" altLang="ja-JP" b="1" i="1" smtClean="0">
+                                      <a:latin typeface="Cambria Math" panose="02040503050406030204" pitchFamily="18" charset="0"/>
+                                    </a:rPr>
+                                    <m:t>𝒓</m:t>
+                                  </m:r>
+                                </m:e>
+                                <m:sub>
+                                  <m:r>
+                                    <a:rPr lang="en-US" altLang="ja-JP" b="0" i="1" smtClean="0">
+                                      <a:latin typeface="Cambria Math" panose="02040503050406030204" pitchFamily="18" charset="0"/>
+                                    </a:rPr>
+                                    <m:t>1</m:t>
+                                  </m:r>
+                                </m:sub>
+                              </m:sSub>
+                            </m:e>
+                          </m:d>
+                          <m:sSub>
+                            <m:sSubPr>
+                              <m:ctrlPr>
+                                <a:rPr lang="en-US" altLang="ja-JP" i="1">
+                                  <a:latin typeface="Cambria Math" panose="02040503050406030204" pitchFamily="18" charset="0"/>
+                                </a:rPr>
+                              </m:ctrlPr>
+                            </m:sSubPr>
+                            <m:e>
+                              <m:r>
+                                <a:rPr lang="en-US" altLang="ja-JP" i="1">
+                                  <a:latin typeface="Cambria Math" panose="02040503050406030204" pitchFamily="18" charset="0"/>
+                                </a:rPr>
+                                <m:t>𝜒</m:t>
+                              </m:r>
+                            </m:e>
+                            <m:sub>
+                              <m:r>
+                                <a:rPr lang="en-US" altLang="ja-JP" i="1">
+                                  <a:latin typeface="Cambria Math" panose="02040503050406030204" pitchFamily="18" charset="0"/>
+                                </a:rPr>
+                                <m:t>𝜇</m:t>
+                              </m:r>
+                            </m:sub>
+                          </m:sSub>
+                          <m:d>
+                            <m:dPr>
+                              <m:ctrlPr>
+                                <a:rPr lang="en-US" altLang="ja-JP" i="1">
+                                  <a:latin typeface="Cambria Math" panose="02040503050406030204" pitchFamily="18" charset="0"/>
+                                </a:rPr>
+                              </m:ctrlPr>
+                            </m:dPr>
+                            <m:e>
+                              <m:sSub>
+                                <m:sSubPr>
+                                  <m:ctrlPr>
+                                    <a:rPr lang="en-US" altLang="ja-JP" i="1">
+                                      <a:latin typeface="Cambria Math" panose="02040503050406030204" pitchFamily="18" charset="0"/>
+                                    </a:rPr>
+                                  </m:ctrlPr>
+                                </m:sSubPr>
+                                <m:e>
+                                  <m:r>
+                                    <a:rPr lang="en-US" altLang="ja-JP" b="1" i="1">
+                                      <a:latin typeface="Cambria Math" panose="02040503050406030204" pitchFamily="18" charset="0"/>
+                                    </a:rPr>
+                                    <m:t>𝒓</m:t>
+                                  </m:r>
+                                </m:e>
+                                <m:sub>
+                                  <m:r>
+                                    <a:rPr lang="en-US" altLang="ja-JP" b="0" i="1" smtClean="0">
+                                      <a:latin typeface="Cambria Math" panose="02040503050406030204" pitchFamily="18" charset="0"/>
+                                    </a:rPr>
+                                    <m:t>2</m:t>
+                                  </m:r>
+                                </m:sub>
+                              </m:sSub>
+                            </m:e>
+                          </m:d>
+                          <m:f>
+                            <m:fPr>
+                              <m:ctrlPr>
+                                <a:rPr lang="en-US" altLang="ja-JP" i="1" smtClean="0">
+                                  <a:latin typeface="Cambria Math" panose="02040503050406030204" pitchFamily="18" charset="0"/>
+                                </a:rPr>
+                              </m:ctrlPr>
+                            </m:fPr>
+                            <m:num>
+                              <m:r>
+                                <a:rPr lang="en-US" altLang="ja-JP" b="0" i="1" smtClean="0">
+                                  <a:latin typeface="Cambria Math" panose="02040503050406030204" pitchFamily="18" charset="0"/>
+                                </a:rPr>
+                                <m:t>1</m:t>
+                              </m:r>
+                            </m:num>
+                            <m:den>
+                              <m:sSub>
+                                <m:sSubPr>
+                                  <m:ctrlPr>
+                                    <a:rPr lang="en-US" altLang="ja-JP" b="0" i="1" smtClean="0">
+                                      <a:latin typeface="Cambria Math" panose="02040503050406030204" pitchFamily="18" charset="0"/>
+                                    </a:rPr>
+                                  </m:ctrlPr>
+                                </m:sSubPr>
+                                <m:e>
+                                  <m:r>
+                                    <a:rPr lang="en-US" altLang="ja-JP" b="1" i="1" smtClean="0">
+                                      <a:latin typeface="Cambria Math" panose="02040503050406030204" pitchFamily="18" charset="0"/>
+                                    </a:rPr>
+                                    <m:t>𝒓</m:t>
+                                  </m:r>
+                                </m:e>
+                                <m:sub>
+                                  <m:r>
+                                    <a:rPr lang="en-US" altLang="ja-JP" b="0" i="1" smtClean="0">
+                                      <a:latin typeface="Cambria Math" panose="02040503050406030204" pitchFamily="18" charset="0"/>
+                                    </a:rPr>
+                                    <m:t>12</m:t>
+                                  </m:r>
+                                </m:sub>
+                              </m:sSub>
+                            </m:den>
+                          </m:f>
+                          <m:sSub>
+                            <m:sSubPr>
+                              <m:ctrlPr>
+                                <a:rPr lang="en-US" altLang="ja-JP" i="1">
+                                  <a:latin typeface="Cambria Math" panose="02040503050406030204" pitchFamily="18" charset="0"/>
+                                </a:rPr>
+                              </m:ctrlPr>
+                            </m:sSubPr>
+                            <m:e>
+                              <m:r>
+                                <a:rPr lang="en-US" altLang="ja-JP" i="1">
+                                  <a:latin typeface="Cambria Math" panose="02040503050406030204" pitchFamily="18" charset="0"/>
+                                </a:rPr>
+                                <m:t>𝜒</m:t>
+                              </m:r>
+                            </m:e>
+                            <m:sub>
+                              <m:r>
+                                <a:rPr lang="en-US" altLang="ja-JP" b="0" i="1" smtClean="0">
+                                  <a:latin typeface="Cambria Math" panose="02040503050406030204" pitchFamily="18" charset="0"/>
+                                </a:rPr>
+                                <m:t>𝜆</m:t>
+                              </m:r>
+                            </m:sub>
+                          </m:sSub>
+                          <m:d>
+                            <m:dPr>
+                              <m:ctrlPr>
+                                <a:rPr lang="en-US" altLang="ja-JP" i="1">
+                                  <a:latin typeface="Cambria Math" panose="02040503050406030204" pitchFamily="18" charset="0"/>
+                                </a:rPr>
+                              </m:ctrlPr>
+                            </m:dPr>
+                            <m:e>
+                              <m:sSub>
+                                <m:sSubPr>
+                                  <m:ctrlPr>
+                                    <a:rPr lang="en-US" altLang="ja-JP" i="1">
+                                      <a:latin typeface="Cambria Math" panose="02040503050406030204" pitchFamily="18" charset="0"/>
+                                    </a:rPr>
+                                  </m:ctrlPr>
+                                </m:sSubPr>
+                                <m:e>
+                                  <m:r>
+                                    <a:rPr lang="en-US" altLang="ja-JP" b="1" i="1">
+                                      <a:latin typeface="Cambria Math" panose="02040503050406030204" pitchFamily="18" charset="0"/>
+                                    </a:rPr>
+                                    <m:t>𝒓</m:t>
+                                  </m:r>
+                                </m:e>
+                                <m:sub>
+                                  <m:r>
+                                    <a:rPr lang="en-US" altLang="ja-JP" b="0" i="1" smtClean="0">
+                                      <a:latin typeface="Cambria Math" panose="02040503050406030204" pitchFamily="18" charset="0"/>
+                                    </a:rPr>
+                                    <m:t>2</m:t>
+                                  </m:r>
+                                </m:sub>
+                              </m:sSub>
+                            </m:e>
+                          </m:d>
+                          <m:sSub>
+                            <m:sSubPr>
+                              <m:ctrlPr>
+                                <a:rPr lang="en-US" altLang="ja-JP" i="1">
+                                  <a:latin typeface="Cambria Math" panose="02040503050406030204" pitchFamily="18" charset="0"/>
+                                </a:rPr>
+                              </m:ctrlPr>
+                            </m:sSubPr>
+                            <m:e>
+                              <m:r>
+                                <a:rPr lang="en-US" altLang="ja-JP" i="1">
+                                  <a:latin typeface="Cambria Math" panose="02040503050406030204" pitchFamily="18" charset="0"/>
+                                </a:rPr>
+                                <m:t>𝜒</m:t>
+                              </m:r>
+                            </m:e>
+                            <m:sub>
+                              <m:r>
+                                <a:rPr lang="en-US" altLang="ja-JP" b="0" i="1" smtClean="0">
+                                  <a:latin typeface="Cambria Math" panose="02040503050406030204" pitchFamily="18" charset="0"/>
+                                </a:rPr>
+                                <m:t>𝜎</m:t>
+                              </m:r>
+                            </m:sub>
+                          </m:sSub>
+                          <m:d>
+                            <m:dPr>
+                              <m:ctrlPr>
+                                <a:rPr lang="en-US" altLang="ja-JP" i="1">
+                                  <a:latin typeface="Cambria Math" panose="02040503050406030204" pitchFamily="18" charset="0"/>
+                                </a:rPr>
+                              </m:ctrlPr>
+                            </m:dPr>
+                            <m:e>
+                              <m:sSub>
+                                <m:sSubPr>
+                                  <m:ctrlPr>
+                                    <a:rPr lang="en-US" altLang="ja-JP" i="1">
+                                      <a:latin typeface="Cambria Math" panose="02040503050406030204" pitchFamily="18" charset="0"/>
+                                    </a:rPr>
+                                  </m:ctrlPr>
+                                </m:sSubPr>
+                                <m:e>
+                                  <m:r>
+                                    <a:rPr lang="en-US" altLang="ja-JP" b="1" i="1">
+                                      <a:latin typeface="Cambria Math" panose="02040503050406030204" pitchFamily="18" charset="0"/>
+                                    </a:rPr>
+                                    <m:t>𝒓</m:t>
+                                  </m:r>
+                                </m:e>
+                                <m:sub>
+                                  <m:r>
+                                    <a:rPr lang="en-US" altLang="ja-JP" b="0" i="1" smtClean="0">
+                                      <a:latin typeface="Cambria Math" panose="02040503050406030204" pitchFamily="18" charset="0"/>
+                                    </a:rPr>
+                                    <m:t>2</m:t>
+                                  </m:r>
+                                </m:sub>
+                              </m:sSub>
+                            </m:e>
+                          </m:d>
+                          <m:r>
+                            <a:rPr lang="en-US" altLang="ja-JP" b="0" i="1" smtClean="0">
+                              <a:latin typeface="Cambria Math" panose="02040503050406030204" pitchFamily="18" charset="0"/>
+                            </a:rPr>
+                            <m:t>𝑑</m:t>
+                          </m:r>
+                          <m:sSub>
+                            <m:sSubPr>
+                              <m:ctrlPr>
+                                <a:rPr lang="en-US" altLang="ja-JP" b="0" i="1" smtClean="0">
+                                  <a:latin typeface="Cambria Math" panose="02040503050406030204" pitchFamily="18" charset="0"/>
+                                </a:rPr>
+                              </m:ctrlPr>
+                            </m:sSubPr>
+                            <m:e>
+                              <m:r>
+                                <a:rPr lang="en-US" altLang="ja-JP" b="1" i="1" smtClean="0">
+                                  <a:latin typeface="Cambria Math" panose="02040503050406030204" pitchFamily="18" charset="0"/>
+                                </a:rPr>
+                                <m:t>𝒓</m:t>
+                              </m:r>
+                            </m:e>
+                            <m:sub>
+                              <m:r>
+                                <a:rPr lang="en-US" altLang="ja-JP" b="0" i="1" smtClean="0">
+                                  <a:latin typeface="Cambria Math" panose="02040503050406030204" pitchFamily="18" charset="0"/>
+                                </a:rPr>
+                                <m:t>1</m:t>
+                              </m:r>
+                            </m:sub>
+                          </m:sSub>
+                          <m:r>
+                            <a:rPr lang="en-US" altLang="ja-JP" b="0" i="1" smtClean="0">
+                              <a:latin typeface="Cambria Math" panose="02040503050406030204" pitchFamily="18" charset="0"/>
+                            </a:rPr>
+                            <m:t>𝑑</m:t>
+                          </m:r>
+                          <m:sSub>
+                            <m:sSubPr>
+                              <m:ctrlPr>
+                                <a:rPr lang="en-US" altLang="ja-JP" b="0" i="1" smtClean="0">
+                                  <a:latin typeface="Cambria Math" panose="02040503050406030204" pitchFamily="18" charset="0"/>
+                                </a:rPr>
+                              </m:ctrlPr>
+                            </m:sSubPr>
+                            <m:e>
+                              <m:r>
+                                <a:rPr lang="en-US" altLang="ja-JP" b="1" i="1" smtClean="0">
+                                  <a:latin typeface="Cambria Math" panose="02040503050406030204" pitchFamily="18" charset="0"/>
+                                </a:rPr>
+                                <m:t>𝒓</m:t>
+                              </m:r>
+                            </m:e>
+                            <m:sub>
+                              <m:r>
+                                <a:rPr lang="en-US" altLang="ja-JP" b="0" i="1" smtClean="0">
+                                  <a:latin typeface="Cambria Math" panose="02040503050406030204" pitchFamily="18" charset="0"/>
+                                </a:rPr>
+                                <m:t>2</m:t>
+                              </m:r>
+                            </m:sub>
+                          </m:sSub>
+                        </m:e>
+                      </m:nary>
+                    </m:oMath>
+                  </m:oMathPara>
+                </a14:m>
+                <a:endParaRPr lang="ja-JP" altLang="en-US" dirty="0"/>
+              </a:p>
+            </p:txBody>
+          </p:sp>
+        </mc:Choice>
+        <mc:Fallback>
+          <p:sp>
+            <p:nvSpPr>
+              <p:cNvPr id="6" name="テキスト ボックス 5">
+                <a:extLst>
+                  <a:ext uri="{FF2B5EF4-FFF2-40B4-BE49-F238E27FC236}">
+                    <a16:creationId xmlns:a16="http://schemas.microsoft.com/office/drawing/2014/main" id="{1A27F0C7-E9C4-49E8-95E0-7F5341DB09CE}"/>
+                  </a:ext>
+                </a:extLst>
+              </p:cNvPr>
+              <p:cNvSpPr txBox="1">
+                <a:spLocks noRot="1" noChangeAspect="1" noMove="1" noResize="1" noEditPoints="1" noAdjustHandles="1" noChangeArrowheads="1" noChangeShapeType="1" noTextEdit="1"/>
+              </p:cNvSpPr>
+              <p:nvPr/>
+            </p:nvSpPr>
+            <p:spPr>
+              <a:xfrm>
+                <a:off x="1853873" y="1045047"/>
+                <a:ext cx="6096982" cy="818879"/>
+              </a:xfrm>
+              <a:prstGeom prst="rect">
+                <a:avLst/>
+              </a:prstGeom>
+              <a:blipFill>
+                <a:blip r:embed="rId2"/>
+                <a:stretch>
+                  <a:fillRect/>
+                </a:stretch>
+              </a:blipFill>
+            </p:spPr>
+            <p:txBody>
+              <a:bodyPr/>
+              <a:lstStyle/>
+              <a:p>
+                <a:r>
+                  <a:rPr lang="ja-JP" altLang="en-US">
+                    <a:noFill/>
+                  </a:rPr>
+                  <a:t> </a:t>
+                </a:r>
+              </a:p>
+            </p:txBody>
+          </p:sp>
+        </mc:Fallback>
+      </mc:AlternateContent>
+      <p:sp>
+        <p:nvSpPr>
+          <p:cNvPr id="7" name="テキスト ボックス 6">
+            <a:extLst>
+              <a:ext uri="{FF2B5EF4-FFF2-40B4-BE49-F238E27FC236}">
+                <a16:creationId xmlns:a16="http://schemas.microsoft.com/office/drawing/2014/main" id="{EC10CD66-70AA-44AE-896C-B7703423DF9F}"/>
+              </a:ext>
+            </a:extLst>
+          </p:cNvPr>
+          <p:cNvSpPr txBox="1"/>
+          <p:nvPr/>
+        </p:nvSpPr>
+        <p:spPr>
+          <a:xfrm>
+            <a:off x="2313545" y="4978909"/>
+            <a:ext cx="5812810" cy="369332"/>
+          </a:xfrm>
+          <a:prstGeom prst="rect">
+            <a:avLst/>
+          </a:prstGeom>
+          <a:noFill/>
+        </p:spPr>
+        <p:txBody>
+          <a:bodyPr wrap="none" rtlCol="0">
+            <a:spAutoFit/>
+          </a:bodyPr>
+          <a:lstStyle/>
+          <a:p>
+            <a:pPr marL="285750" indent="-285750">
+              <a:buFont typeface="Arial" panose="020B0604020202020204" pitchFamily="34" charset="0"/>
+              <a:buChar char="•"/>
+            </a:pPr>
+            <a:r>
+              <a:rPr kumimoji="1" lang="en-US" altLang="ja-JP" dirty="0"/>
+              <a:t>Slides without a clipping rectangle will be ignored.</a:t>
+            </a:r>
+            <a:endParaRPr kumimoji="1" lang="ja-JP" altLang="en-US" dirty="0"/>
+          </a:p>
+        </p:txBody>
+      </p:sp>
+      <p:sp>
+        <p:nvSpPr>
+          <p:cNvPr id="8" name="正方形/長方形 7">
+            <a:extLst>
+              <a:ext uri="{FF2B5EF4-FFF2-40B4-BE49-F238E27FC236}">
+                <a16:creationId xmlns:a16="http://schemas.microsoft.com/office/drawing/2014/main" id="{E65F58C4-0A2D-4D76-B787-F04A5DDB11CC}"/>
+              </a:ext>
+            </a:extLst>
+          </p:cNvPr>
+          <p:cNvSpPr/>
+          <p:nvPr/>
+        </p:nvSpPr>
+        <p:spPr>
+          <a:xfrm>
+            <a:off x="1486637" y="926199"/>
+            <a:ext cx="6925843" cy="991091"/>
+          </a:xfrm>
+          <a:prstGeom prst="rect">
+            <a:avLst/>
+          </a:prstGeom>
+          <a:noFill/>
+          <a:ln>
+            <a:solidFill>
+              <a:srgbClr val="00B050"/>
+            </a:solidFill>
+          </a:ln>
+        </p:spPr>
+        <p:style>
+          <a:lnRef idx="2">
+            <a:schemeClr val="accent1">
+              <a:shade val="50000"/>
+            </a:schemeClr>
+          </a:lnRef>
+          <a:fillRef idx="1">
+            <a:schemeClr val="accent1"/>
+          </a:fillRef>
+          <a:effectRef idx="0">
+            <a:schemeClr val="accent1"/>
+          </a:effectRef>
+          <a:fontRef idx="minor">
+            <a:schemeClr val="lt1"/>
+          </a:fontRef>
+        </p:style>
+        <p:txBody>
+          <a:bodyPr rtlCol="0" anchor="ctr"/>
+          <a:lstStyle/>
+          <a:p>
+            <a:pPr algn="ctr"/>
+            <a:endParaRPr kumimoji="1" lang="ja-JP" altLang="en-US"/>
+          </a:p>
+        </p:txBody>
+      </p:sp>
+    </p:spTree>
+    <p:extLst>
+      <p:ext uri="{BB962C8B-B14F-4D97-AF65-F5344CB8AC3E}">
+        <p14:creationId xmlns:p14="http://schemas.microsoft.com/office/powerpoint/2010/main" val="3179462085"/>
       </p:ext>
     </p:extLst>
   </p:cSld>

--- a/sample/sample.pptx
+++ b/sample/sample.pptx
@@ -5001,10 +5001,10 @@
       </p:grpSpPr>
       <p:sp>
         <p:nvSpPr>
-          <p:cNvPr id="4" name="テキスト ボックス 3">
-            <a:extLst>
-              <a:ext uri="{FF2B5EF4-FFF2-40B4-BE49-F238E27FC236}">
-                <a16:creationId xmlns:a16="http://schemas.microsoft.com/office/drawing/2014/main" id="{8307237C-B09B-4562-A46C-C3DB2744CDBD}"/>
+          <p:cNvPr id="8" name="テキスト ボックス 7">
+            <a:extLst>
+              <a:ext uri="{FF2B5EF4-FFF2-40B4-BE49-F238E27FC236}">
+                <a16:creationId xmlns:a16="http://schemas.microsoft.com/office/drawing/2014/main" id="{177CEB03-86AF-4527-AC62-438D0AF18C9E}"/>
               </a:ext>
             </a:extLst>
           </p:cNvPr>
@@ -5013,7 +5013,125 @@
         </p:nvSpPr>
         <p:spPr>
           <a:xfrm>
-            <a:off x="4595112" y="1543127"/>
+            <a:off x="2419657" y="4059641"/>
+            <a:ext cx="2675732" cy="369332"/>
+          </a:xfrm>
+          <a:prstGeom prst="rect">
+            <a:avLst/>
+          </a:prstGeom>
+          <a:noFill/>
+        </p:spPr>
+        <p:txBody>
+          <a:bodyPr wrap="none" rtlCol="0">
+            <a:spAutoFit/>
+          </a:bodyPr>
+          <a:lstStyle/>
+          <a:p>
+            <a:r>
+              <a:rPr lang="en-US" altLang="ja-JP" dirty="0"/>
+              <a:t>filename=</a:t>
+            </a:r>
+            <a:r>
+              <a:rPr lang="en-US" altLang="ja-JP" dirty="0" err="1"/>
+              <a:t>ptof</a:t>
+            </a:r>
+            <a:r>
+              <a:rPr lang="en-US" altLang="ja-JP" err="1"/>
+              <a:t>_</a:t>
+            </a:r>
+            <a:r>
+              <a:rPr lang="en-US" altLang="ja-JP"/>
+              <a:t>logo.</a:t>
+            </a:r>
+            <a:r>
+              <a:rPr lang="en-US" altLang="ja-JP" dirty="0" err="1"/>
+              <a:t>svg</a:t>
+            </a:r>
+            <a:endParaRPr kumimoji="1" lang="ja-JP" altLang="en-US" dirty="0"/>
+          </a:p>
+        </p:txBody>
+      </p:sp>
+      <p:sp>
+        <p:nvSpPr>
+          <p:cNvPr id="12" name="テキスト ボックス 11">
+            <a:extLst>
+              <a:ext uri="{FF2B5EF4-FFF2-40B4-BE49-F238E27FC236}">
+                <a16:creationId xmlns:a16="http://schemas.microsoft.com/office/drawing/2014/main" id="{DC24B33D-F38F-48E7-A8BC-9371CD6FEF1B}"/>
+              </a:ext>
+            </a:extLst>
+          </p:cNvPr>
+          <p:cNvSpPr txBox="1"/>
+          <p:nvPr/>
+        </p:nvSpPr>
+        <p:spPr>
+          <a:xfrm>
+            <a:off x="834784" y="5138191"/>
+            <a:ext cx="10522432" cy="646331"/>
+          </a:xfrm>
+          <a:prstGeom prst="rect">
+            <a:avLst/>
+          </a:prstGeom>
+          <a:noFill/>
+        </p:spPr>
+        <p:txBody>
+          <a:bodyPr wrap="none" rtlCol="0">
+            <a:spAutoFit/>
+          </a:bodyPr>
+          <a:lstStyle/>
+          <a:p>
+            <a:pPr marL="285750" indent="-285750">
+              <a:buFont typeface="Arial" panose="020B0604020202020204" pitchFamily="34" charset="0"/>
+              <a:buChar char="•"/>
+            </a:pPr>
+            <a:r>
+              <a:rPr kumimoji="1" lang="en-US" altLang="ja-JP" dirty="0"/>
+              <a:t>Using rectangles of different colors (magenta in this slide) allows you to switch the output file.</a:t>
+            </a:r>
+          </a:p>
+          <a:p>
+            <a:pPr marL="285750" indent="-285750">
+              <a:buFont typeface="Arial" panose="020B0604020202020204" pitchFamily="34" charset="0"/>
+              <a:buChar char="•"/>
+            </a:pPr>
+            <a:r>
+              <a:rPr kumimoji="1" lang="en-US" altLang="ja-JP" dirty="0"/>
+              <a:t>The logo image of </a:t>
+            </a:r>
+            <a:r>
+              <a:rPr kumimoji="1" lang="en-US" altLang="ja-JP" dirty="0" err="1"/>
+              <a:t>PtoF</a:t>
+            </a:r>
+            <a:r>
+              <a:rPr kumimoji="1" lang="en-US" altLang="ja-JP" dirty="0"/>
+              <a:t> was generated using </a:t>
+            </a:r>
+            <a:r>
+              <a:rPr kumimoji="1" lang="en-US" altLang="ja-JP" dirty="0" err="1"/>
+              <a:t>PtoF</a:t>
+            </a:r>
+            <a:r>
+              <a:rPr kumimoji="1" lang="en-US" altLang="ja-JP" dirty="0"/>
+              <a:t>.</a:t>
+            </a:r>
+            <a:endParaRPr kumimoji="1" lang="ja-JP" altLang="en-US" dirty="0"/>
+          </a:p>
+        </p:txBody>
+      </p:sp>
+      <p:sp>
+        <p:nvSpPr>
+          <p:cNvPr id="13" name="テキスト ボックス 12">
+            <a:extLst>
+              <a:ext uri="{FF2B5EF4-FFF2-40B4-BE49-F238E27FC236}">
+                <a16:creationId xmlns:a16="http://schemas.microsoft.com/office/drawing/2014/main" id="{9BF66116-2C69-4E15-BFCE-0BEAD3040C8D}"/>
+              </a:ext>
+            </a:extLst>
+          </p:cNvPr>
+          <p:cNvSpPr txBox="1"/>
+          <p:nvPr/>
+        </p:nvSpPr>
+        <p:spPr>
+          <a:xfrm>
+            <a:off x="4105778" y="1379545"/>
             <a:ext cx="899150" cy="1836399"/>
           </a:xfrm>
           <a:custGeom>
@@ -5107,7 +5225,9 @@
             <a:srgbClr val="D24726"/>
           </a:solidFill>
           <a:ln>
-            <a:noFill/>
+            <a:solidFill>
+              <a:schemeClr val="bg1"/>
+            </a:solidFill>
           </a:ln>
           <a:effectLst/>
         </p:spPr>
@@ -5131,10 +5251,10 @@
       </p:sp>
       <p:sp>
         <p:nvSpPr>
-          <p:cNvPr id="5" name="正方形/長方形 4">
-            <a:extLst>
-              <a:ext uri="{FF2B5EF4-FFF2-40B4-BE49-F238E27FC236}">
-                <a16:creationId xmlns:a16="http://schemas.microsoft.com/office/drawing/2014/main" id="{98DF52D6-A72D-4AE2-88A8-108D185E7F14}"/>
+          <p:cNvPr id="14" name="正方形/長方形 13">
+            <a:extLst>
+              <a:ext uri="{FF2B5EF4-FFF2-40B4-BE49-F238E27FC236}">
+                <a16:creationId xmlns:a16="http://schemas.microsoft.com/office/drawing/2014/main" id="{1A77E234-D6F7-4865-ABC6-AE9B232E6F3B}"/>
               </a:ext>
             </a:extLst>
           </p:cNvPr>
@@ -5143,8 +5263,8 @@
         </p:nvSpPr>
         <p:spPr>
           <a:xfrm>
-            <a:off x="1100589" y="1040573"/>
-            <a:ext cx="10739416" cy="2828041"/>
+            <a:off x="611254" y="876991"/>
+            <a:ext cx="10969491" cy="2828041"/>
           </a:xfrm>
           <a:prstGeom prst="rect">
             <a:avLst/>
@@ -5183,10 +5303,10 @@
       </p:sp>
       <p:sp>
         <p:nvSpPr>
-          <p:cNvPr id="6" name="テキスト ボックス 5">
-            <a:extLst>
-              <a:ext uri="{FF2B5EF4-FFF2-40B4-BE49-F238E27FC236}">
-                <a16:creationId xmlns:a16="http://schemas.microsoft.com/office/drawing/2014/main" id="{FDFBB640-DB27-4691-9C16-A020A12D202A}"/>
+          <p:cNvPr id="15" name="テキスト ボックス 14">
+            <a:extLst>
+              <a:ext uri="{FF2B5EF4-FFF2-40B4-BE49-F238E27FC236}">
+                <a16:creationId xmlns:a16="http://schemas.microsoft.com/office/drawing/2014/main" id="{54F9B1A5-2167-4977-90F9-D68C381CDC2B}"/>
               </a:ext>
             </a:extLst>
           </p:cNvPr>
@@ -5195,8 +5315,8 @@
         </p:nvSpPr>
         <p:spPr>
           <a:xfrm>
-            <a:off x="1477206" y="904931"/>
-            <a:ext cx="1848583" cy="3154710"/>
+            <a:off x="2836455" y="1605171"/>
+            <a:ext cx="894797" cy="923330"/>
           </a:xfrm>
           <a:prstGeom prst="rect">
             <a:avLst/>
@@ -5209,16 +5329,268 @@
           </a:bodyPr>
           <a:lstStyle/>
           <a:p>
-            <a:r>
-              <a:rPr kumimoji="1" lang="en-US" altLang="ja-JP" sz="19900" b="1" dirty="0">
-                <a:solidFill>
-                  <a:srgbClr val="D24726"/>
-                </a:solidFill>
-                <a:latin typeface="Inter ExtraBold" panose="02000503000000020004" pitchFamily="2" charset="0"/>
-                <a:ea typeface="Inter ExtraBold" panose="02000503000000020004" pitchFamily="2" charset="0"/>
+            <a:pPr algn="ctr"/>
+            <a:r>
+              <a:rPr kumimoji="1" lang="en-US" altLang="ja-JP" sz="5400" dirty="0">
+                <a:latin typeface="Inter Black" panose="02000503000000020004" pitchFamily="2" charset="0"/>
+                <a:ea typeface="Inter Black" panose="02000503000000020004" pitchFamily="2" charset="0"/>
               </a:rPr>
-              <a:t>P</a:t>
-            </a:r>
+              <a:t>to</a:t>
+            </a:r>
+            <a:endParaRPr kumimoji="1" lang="ja-JP" altLang="en-US" sz="5400" dirty="0">
+              <a:latin typeface="Inter Black" panose="02000503000000020004" pitchFamily="2" charset="0"/>
+            </a:endParaRPr>
+          </a:p>
+        </p:txBody>
+      </p:sp>
+      <p:cxnSp>
+        <p:nvCxnSpPr>
+          <p:cNvPr id="16" name="直線矢印コネクタ 15">
+            <a:extLst>
+              <a:ext uri="{FF2B5EF4-FFF2-40B4-BE49-F238E27FC236}">
+                <a16:creationId xmlns:a16="http://schemas.microsoft.com/office/drawing/2014/main" id="{764D8889-BBEB-429C-A0C8-7B23892B6B97}"/>
+              </a:ext>
+            </a:extLst>
+          </p:cNvPr>
+          <p:cNvCxnSpPr/>
+          <p:nvPr/>
+        </p:nvCxnSpPr>
+        <p:spPr>
+          <a:xfrm>
+            <a:off x="2882440" y="2540300"/>
+            <a:ext cx="802826" cy="0"/>
+          </a:xfrm>
+          <a:prstGeom prst="straightConnector1">
+            <a:avLst/>
+          </a:prstGeom>
+          <a:ln w="76200">
+            <a:solidFill>
+              <a:srgbClr val="0EA5A5"/>
+            </a:solidFill>
+            <a:tailEnd type="triangle"/>
+          </a:ln>
+        </p:spPr>
+        <p:style>
+          <a:lnRef idx="1">
+            <a:schemeClr val="accent1"/>
+          </a:lnRef>
+          <a:fillRef idx="0">
+            <a:schemeClr val="accent1"/>
+          </a:fillRef>
+          <a:effectRef idx="0">
+            <a:schemeClr val="accent1"/>
+          </a:effectRef>
+          <a:fontRef idx="minor">
+            <a:schemeClr val="tx1"/>
+          </a:fontRef>
+        </p:style>
+      </p:cxnSp>
+      <p:sp>
+        <p:nvSpPr>
+          <p:cNvPr id="17" name="テキスト ボックス 16">
+            <a:extLst>
+              <a:ext uri="{FF2B5EF4-FFF2-40B4-BE49-F238E27FC236}">
+                <a16:creationId xmlns:a16="http://schemas.microsoft.com/office/drawing/2014/main" id="{43AEDDE0-16D1-4242-A609-898777BCFF81}"/>
+              </a:ext>
+            </a:extLst>
+          </p:cNvPr>
+          <p:cNvSpPr txBox="1"/>
+          <p:nvPr/>
+        </p:nvSpPr>
+        <p:spPr>
+          <a:xfrm>
+            <a:off x="5685030" y="1990205"/>
+            <a:ext cx="5442580" cy="646331"/>
+          </a:xfrm>
+          <a:prstGeom prst="rect">
+            <a:avLst/>
+          </a:prstGeom>
+          <a:noFill/>
+        </p:spPr>
+        <p:txBody>
+          <a:bodyPr wrap="none" rtlCol="0">
+            <a:spAutoFit/>
+          </a:bodyPr>
+          <a:lstStyle/>
+          <a:p>
+            <a:r>
+              <a:rPr kumimoji="1" lang="en-US" altLang="ja-JP" sz="3600" dirty="0" err="1">
+                <a:latin typeface="Arial Rounded MT Bold" panose="020F0704030504030204" pitchFamily="34" charset="0"/>
+              </a:rPr>
+              <a:t>PtoF</a:t>
+            </a:r>
+            <a:r>
+              <a:rPr kumimoji="1" lang="en-US" altLang="ja-JP" sz="3600" dirty="0">
+                <a:latin typeface="Arial Rounded MT Bold" panose="020F0704030504030204" pitchFamily="34" charset="0"/>
+              </a:rPr>
+              <a:t> </a:t>
+            </a:r>
+            <a:r>
+              <a:rPr kumimoji="1" lang="ja-JP" altLang="en-US" sz="3600" dirty="0">
+                <a:latin typeface="Arial Rounded MT Bold" panose="020F0704030504030204" pitchFamily="34" charset="0"/>
+              </a:rPr>
+              <a:t>－ </a:t>
+            </a:r>
+            <a:r>
+              <a:rPr kumimoji="1" lang="en-US" altLang="ja-JP" sz="3600" dirty="0">
+                <a:latin typeface="Arial Rounded MT Bold" panose="020F0704030504030204" pitchFamily="34" charset="0"/>
+              </a:rPr>
+              <a:t>PPTX to Figures</a:t>
+            </a:r>
+            <a:endParaRPr kumimoji="1" lang="ja-JP" altLang="en-US" sz="3600" dirty="0">
+              <a:latin typeface="Arial Rounded MT Bold" panose="020F0704030504030204" pitchFamily="34" charset="0"/>
+            </a:endParaRPr>
+          </a:p>
+        </p:txBody>
+      </p:sp>
+      <p:sp>
+        <p:nvSpPr>
+          <p:cNvPr id="18" name="テキスト ボックス 17">
+            <a:extLst>
+              <a:ext uri="{FF2B5EF4-FFF2-40B4-BE49-F238E27FC236}">
+                <a16:creationId xmlns:a16="http://schemas.microsoft.com/office/drawing/2014/main" id="{7AEB6848-1CDF-4A52-9335-95CC6F85B5BC}"/>
+              </a:ext>
+            </a:extLst>
+          </p:cNvPr>
+          <p:cNvSpPr txBox="1"/>
+          <p:nvPr/>
+        </p:nvSpPr>
+        <p:spPr>
+          <a:xfrm>
+            <a:off x="1228969" y="1377243"/>
+            <a:ext cx="1416761" cy="1836399"/>
+          </a:xfrm>
+          <a:custGeom>
+            <a:avLst/>
+            <a:gdLst/>
+            <a:ahLst/>
+            <a:cxnLst/>
+            <a:rect l="l" t="t" r="r" b="b"/>
+            <a:pathLst>
+              <a:path w="1416761" h="1836399">
+                <a:moveTo>
+                  <a:pt x="0" y="0"/>
+                </a:moveTo>
+                <a:lnTo>
+                  <a:pt x="751815" y="0"/>
+                </a:lnTo>
+                <a:cubicBezTo>
+                  <a:pt x="889853" y="0"/>
+                  <a:pt x="1008993" y="26703"/>
+                  <a:pt x="1109235" y="80111"/>
+                </a:cubicBezTo>
+                <a:cubicBezTo>
+                  <a:pt x="1209477" y="133519"/>
+                  <a:pt x="1286507" y="207878"/>
+                  <a:pt x="1340325" y="303190"/>
+                </a:cubicBezTo>
+                <a:cubicBezTo>
+                  <a:pt x="1380689" y="374675"/>
+                  <a:pt x="1405917" y="454709"/>
+                  <a:pt x="1416008" y="543293"/>
+                </a:cubicBezTo>
+                <a:lnTo>
+                  <a:pt x="1416761" y="556940"/>
+                </a:lnTo>
+                <a:lnTo>
+                  <a:pt x="1416761" y="711088"/>
+                </a:lnTo>
+                <a:lnTo>
+                  <a:pt x="1415892" y="726548"/>
+                </a:lnTo>
+                <a:cubicBezTo>
+                  <a:pt x="1405570" y="815287"/>
+                  <a:pt x="1379765" y="894782"/>
+                  <a:pt x="1338477" y="965034"/>
+                </a:cubicBezTo>
+                <a:cubicBezTo>
+                  <a:pt x="1283426" y="1058703"/>
+                  <a:pt x="1204957" y="1131830"/>
+                  <a:pt x="1103072" y="1184416"/>
+                </a:cubicBezTo>
+                <a:cubicBezTo>
+                  <a:pt x="1001187" y="1237002"/>
+                  <a:pt x="879993" y="1263295"/>
+                  <a:pt x="739490" y="1263295"/>
+                </a:cubicBezTo>
+                <a:lnTo>
+                  <a:pt x="435067" y="1263295"/>
+                </a:lnTo>
+                <a:lnTo>
+                  <a:pt x="435067" y="1836399"/>
+                </a:lnTo>
+                <a:lnTo>
+                  <a:pt x="0" y="1836399"/>
+                </a:lnTo>
+                <a:lnTo>
+                  <a:pt x="0" y="0"/>
+                </a:lnTo>
+                <a:close/>
+                <a:moveTo>
+                  <a:pt x="435067" y="352490"/>
+                </a:moveTo>
+                <a:lnTo>
+                  <a:pt x="435067" y="919432"/>
+                </a:lnTo>
+                <a:lnTo>
+                  <a:pt x="660611" y="919432"/>
+                </a:lnTo>
+                <a:cubicBezTo>
+                  <a:pt x="728808" y="919432"/>
+                  <a:pt x="785913" y="907518"/>
+                  <a:pt x="831926" y="883690"/>
+                </a:cubicBezTo>
+                <a:cubicBezTo>
+                  <a:pt x="877939" y="859862"/>
+                  <a:pt x="912448" y="826585"/>
+                  <a:pt x="935455" y="783859"/>
+                </a:cubicBezTo>
+                <a:cubicBezTo>
+                  <a:pt x="958461" y="741133"/>
+                  <a:pt x="969964" y="691423"/>
+                  <a:pt x="969964" y="634728"/>
+                </a:cubicBezTo>
+                <a:cubicBezTo>
+                  <a:pt x="969964" y="577212"/>
+                  <a:pt x="958461" y="527297"/>
+                  <a:pt x="935455" y="484982"/>
+                </a:cubicBezTo>
+                <a:cubicBezTo>
+                  <a:pt x="912448" y="442666"/>
+                  <a:pt x="877733" y="410006"/>
+                  <a:pt x="831310" y="386999"/>
+                </a:cubicBezTo>
+                <a:cubicBezTo>
+                  <a:pt x="784886" y="363993"/>
+                  <a:pt x="727576" y="352490"/>
+                  <a:pt x="659378" y="352490"/>
+                </a:cubicBezTo>
+                <a:lnTo>
+                  <a:pt x="435067" y="352490"/>
+                </a:lnTo>
+                <a:close/>
+              </a:path>
+            </a:pathLst>
+          </a:custGeom>
+          <a:solidFill>
+            <a:srgbClr val="D24726"/>
+          </a:solidFill>
+          <a:ln>
+            <a:solidFill>
+              <a:srgbClr val="D24726"/>
+            </a:solidFill>
+          </a:ln>
+          <a:effectLst/>
+        </p:spPr>
+        <p:txBody>
+          <a:bodyPr rot="0" spcFirstLastPara="0" vertOverflow="overflow" horzOverflow="overflow" vert="horz" wrap="square" lIns="91440" tIns="45720" rIns="91440" bIns="45720" numCol="1" spcCol="0" rtlCol="0" fromWordArt="0" anchor="t" anchorCtr="0" forceAA="0" compatLnSpc="1">
+            <a:prstTxWarp prst="textNoShape">
+              <a:avLst/>
+            </a:prstTxWarp>
+            <a:noAutofit/>
+          </a:bodyPr>
+          <a:lstStyle/>
+          <a:p>
             <a:endParaRPr kumimoji="1" lang="ja-JP" altLang="en-US" sz="19900" b="1" dirty="0">
               <a:solidFill>
                 <a:srgbClr val="D24726"/>
@@ -5230,10 +5602,10 @@
       </p:sp>
       <p:sp>
         <p:nvSpPr>
-          <p:cNvPr id="7" name="四角形: 角を丸くする 6">
-            <a:extLst>
-              <a:ext uri="{FF2B5EF4-FFF2-40B4-BE49-F238E27FC236}">
-                <a16:creationId xmlns:a16="http://schemas.microsoft.com/office/drawing/2014/main" id="{AFD49B05-8B8B-4EAC-97BF-0442723EA4B4}"/>
+          <p:cNvPr id="19" name="四角形: 角を丸くする 18">
+            <a:extLst>
+              <a:ext uri="{FF2B5EF4-FFF2-40B4-BE49-F238E27FC236}">
+                <a16:creationId xmlns:a16="http://schemas.microsoft.com/office/drawing/2014/main" id="{C49D295C-C4DF-41AF-8A01-3F6A143370F0}"/>
               </a:ext>
             </a:extLst>
           </p:cNvPr>
@@ -5242,7 +5614,7 @@
         </p:nvSpPr>
         <p:spPr>
           <a:xfrm>
-            <a:off x="1595714" y="1396643"/>
+            <a:off x="1106380" y="1233061"/>
             <a:ext cx="1019221" cy="2160621"/>
           </a:xfrm>
           <a:prstGeom prst="roundRect">
@@ -5278,254 +5650,6 @@
           <a:p>
             <a:pPr algn="ctr"/>
             <a:endParaRPr kumimoji="1" lang="ja-JP" altLang="en-US"/>
-          </a:p>
-        </p:txBody>
-      </p:sp>
-      <p:sp>
-        <p:nvSpPr>
-          <p:cNvPr id="8" name="テキスト ボックス 7">
-            <a:extLst>
-              <a:ext uri="{FF2B5EF4-FFF2-40B4-BE49-F238E27FC236}">
-                <a16:creationId xmlns:a16="http://schemas.microsoft.com/office/drawing/2014/main" id="{177CEB03-86AF-4527-AC62-438D0AF18C9E}"/>
-              </a:ext>
-            </a:extLst>
-          </p:cNvPr>
-          <p:cNvSpPr txBox="1"/>
-          <p:nvPr/>
-        </p:nvSpPr>
-        <p:spPr>
-          <a:xfrm>
-            <a:off x="2419657" y="4059641"/>
-            <a:ext cx="2113079" cy="369332"/>
-          </a:xfrm>
-          <a:prstGeom prst="rect">
-            <a:avLst/>
-          </a:prstGeom>
-          <a:noFill/>
-        </p:spPr>
-        <p:txBody>
-          <a:bodyPr wrap="none" rtlCol="0">
-            <a:spAutoFit/>
-          </a:bodyPr>
-          <a:lstStyle/>
-          <a:p>
-            <a:r>
-              <a:rPr lang="en-US" altLang="ja-JP" dirty="0"/>
-              <a:t>filename=</a:t>
-            </a:r>
-            <a:r>
-              <a:rPr lang="en-US" altLang="ja-JP" dirty="0" err="1"/>
-              <a:t>ptof.svg</a:t>
-            </a:r>
-            <a:endParaRPr kumimoji="1" lang="ja-JP" altLang="en-US" dirty="0"/>
-          </a:p>
-        </p:txBody>
-      </p:sp>
-      <p:sp>
-        <p:nvSpPr>
-          <p:cNvPr id="9" name="テキスト ボックス 8">
-            <a:extLst>
-              <a:ext uri="{FF2B5EF4-FFF2-40B4-BE49-F238E27FC236}">
-                <a16:creationId xmlns:a16="http://schemas.microsoft.com/office/drawing/2014/main" id="{63FDD987-6CFA-4893-898D-CD5D41C96D07}"/>
-              </a:ext>
-            </a:extLst>
-          </p:cNvPr>
-          <p:cNvSpPr txBox="1"/>
-          <p:nvPr/>
-        </p:nvSpPr>
-        <p:spPr>
-          <a:xfrm>
-            <a:off x="3325789" y="1768753"/>
-            <a:ext cx="894797" cy="923330"/>
-          </a:xfrm>
-          <a:prstGeom prst="rect">
-            <a:avLst/>
-          </a:prstGeom>
-          <a:noFill/>
-        </p:spPr>
-        <p:txBody>
-          <a:bodyPr wrap="none" rtlCol="0">
-            <a:spAutoFit/>
-          </a:bodyPr>
-          <a:lstStyle/>
-          <a:p>
-            <a:pPr algn="ctr"/>
-            <a:r>
-              <a:rPr kumimoji="1" lang="en-US" altLang="ja-JP" sz="5400" dirty="0">
-                <a:latin typeface="Inter Black" panose="02000503000000020004" pitchFamily="2" charset="0"/>
-                <a:ea typeface="Inter Black" panose="02000503000000020004" pitchFamily="2" charset="0"/>
-              </a:rPr>
-              <a:t>to</a:t>
-            </a:r>
-            <a:endParaRPr kumimoji="1" lang="ja-JP" altLang="en-US" sz="5400" dirty="0">
-              <a:latin typeface="Inter Black" panose="02000503000000020004" pitchFamily="2" charset="0"/>
-            </a:endParaRPr>
-          </a:p>
-        </p:txBody>
-      </p:sp>
-      <p:cxnSp>
-        <p:nvCxnSpPr>
-          <p:cNvPr id="10" name="直線矢印コネクタ 9">
-            <a:extLst>
-              <a:ext uri="{FF2B5EF4-FFF2-40B4-BE49-F238E27FC236}">
-                <a16:creationId xmlns:a16="http://schemas.microsoft.com/office/drawing/2014/main" id="{56DD6455-5131-43CD-92C8-5C12176230B7}"/>
-              </a:ext>
-            </a:extLst>
-          </p:cNvPr>
-          <p:cNvCxnSpPr/>
-          <p:nvPr/>
-        </p:nvCxnSpPr>
-        <p:spPr>
-          <a:xfrm>
-            <a:off x="3371774" y="2703882"/>
-            <a:ext cx="802826" cy="0"/>
-          </a:xfrm>
-          <a:prstGeom prst="straightConnector1">
-            <a:avLst/>
-          </a:prstGeom>
-          <a:ln w="76200">
-            <a:solidFill>
-              <a:srgbClr val="0EA5A5"/>
-            </a:solidFill>
-            <a:tailEnd type="triangle"/>
-          </a:ln>
-        </p:spPr>
-        <p:style>
-          <a:lnRef idx="1">
-            <a:schemeClr val="accent1"/>
-          </a:lnRef>
-          <a:fillRef idx="0">
-            <a:schemeClr val="accent1"/>
-          </a:fillRef>
-          <a:effectRef idx="0">
-            <a:schemeClr val="accent1"/>
-          </a:effectRef>
-          <a:fontRef idx="minor">
-            <a:schemeClr val="tx1"/>
-          </a:fontRef>
-        </p:style>
-      </p:cxnSp>
-      <p:sp>
-        <p:nvSpPr>
-          <p:cNvPr id="11" name="テキスト ボックス 10">
-            <a:extLst>
-              <a:ext uri="{FF2B5EF4-FFF2-40B4-BE49-F238E27FC236}">
-                <a16:creationId xmlns:a16="http://schemas.microsoft.com/office/drawing/2014/main" id="{CD120A6F-7F64-4491-A38D-432AD8565117}"/>
-              </a:ext>
-            </a:extLst>
-          </p:cNvPr>
-          <p:cNvSpPr txBox="1"/>
-          <p:nvPr/>
-        </p:nvSpPr>
-        <p:spPr>
-          <a:xfrm>
-            <a:off x="6174364" y="2153787"/>
-            <a:ext cx="5442580" cy="646331"/>
-          </a:xfrm>
-          <a:prstGeom prst="rect">
-            <a:avLst/>
-          </a:prstGeom>
-          <a:noFill/>
-        </p:spPr>
-        <p:txBody>
-          <a:bodyPr wrap="none" rtlCol="0">
-            <a:spAutoFit/>
-          </a:bodyPr>
-          <a:lstStyle/>
-          <a:p>
-            <a:r>
-              <a:rPr kumimoji="1" lang="en-US" altLang="ja-JP" sz="3600" dirty="0" err="1">
-                <a:latin typeface="Arial Rounded MT Bold" panose="020F0704030504030204" pitchFamily="34" charset="0"/>
-              </a:rPr>
-              <a:t>PtoF</a:t>
-            </a:r>
-            <a:r>
-              <a:rPr kumimoji="1" lang="en-US" altLang="ja-JP" sz="3600" dirty="0">
-                <a:latin typeface="Arial Rounded MT Bold" panose="020F0704030504030204" pitchFamily="34" charset="0"/>
-              </a:rPr>
-              <a:t> </a:t>
-            </a:r>
-            <a:r>
-              <a:rPr kumimoji="1" lang="ja-JP" altLang="en-US" sz="3600" dirty="0">
-                <a:latin typeface="Arial Rounded MT Bold" panose="020F0704030504030204" pitchFamily="34" charset="0"/>
-              </a:rPr>
-              <a:t>－ </a:t>
-            </a:r>
-            <a:r>
-              <a:rPr kumimoji="1" lang="en-US" altLang="ja-JP" sz="3600" dirty="0">
-                <a:latin typeface="Arial Rounded MT Bold" panose="020F0704030504030204" pitchFamily="34" charset="0"/>
-              </a:rPr>
-              <a:t>PPTX to Figures</a:t>
-            </a:r>
-            <a:endParaRPr kumimoji="1" lang="ja-JP" altLang="en-US" sz="3600" dirty="0">
-              <a:latin typeface="Arial Rounded MT Bold" panose="020F0704030504030204" pitchFamily="34" charset="0"/>
-            </a:endParaRPr>
-          </a:p>
-        </p:txBody>
-      </p:sp>
-      <p:sp>
-        <p:nvSpPr>
-          <p:cNvPr id="12" name="テキスト ボックス 11">
-            <a:extLst>
-              <a:ext uri="{FF2B5EF4-FFF2-40B4-BE49-F238E27FC236}">
-                <a16:creationId xmlns:a16="http://schemas.microsoft.com/office/drawing/2014/main" id="{DC24B33D-F38F-48E7-A8BC-9371CD6FEF1B}"/>
-              </a:ext>
-            </a:extLst>
-          </p:cNvPr>
-          <p:cNvSpPr txBox="1"/>
-          <p:nvPr/>
-        </p:nvSpPr>
-        <p:spPr>
-          <a:xfrm>
-            <a:off x="834784" y="5138191"/>
-            <a:ext cx="10522432" cy="646331"/>
-          </a:xfrm>
-          <a:prstGeom prst="rect">
-            <a:avLst/>
-          </a:prstGeom>
-          <a:noFill/>
-        </p:spPr>
-        <p:txBody>
-          <a:bodyPr wrap="none" rtlCol="0">
-            <a:spAutoFit/>
-          </a:bodyPr>
-          <a:lstStyle/>
-          <a:p>
-            <a:pPr marL="285750" indent="-285750">
-              <a:buFont typeface="Arial" panose="020B0604020202020204" pitchFamily="34" charset="0"/>
-              <a:buChar char="•"/>
-            </a:pPr>
-            <a:r>
-              <a:rPr kumimoji="1" lang="en-US" altLang="ja-JP" dirty="0"/>
-              <a:t>Using rectangles of different colors (magenta in this slide) allows you to switch the output file.</a:t>
-            </a:r>
-          </a:p>
-          <a:p>
-            <a:pPr marL="285750" indent="-285750">
-              <a:buFont typeface="Arial" panose="020B0604020202020204" pitchFamily="34" charset="0"/>
-              <a:buChar char="•"/>
-            </a:pPr>
-            <a:r>
-              <a:rPr kumimoji="1" lang="en-US" altLang="ja-JP" dirty="0"/>
-              <a:t>The logo image of </a:t>
-            </a:r>
-            <a:r>
-              <a:rPr kumimoji="1" lang="en-US" altLang="ja-JP" dirty="0" err="1"/>
-              <a:t>PtoF</a:t>
-            </a:r>
-            <a:r>
-              <a:rPr kumimoji="1" lang="en-US" altLang="ja-JP" dirty="0"/>
-              <a:t> was generated using </a:t>
-            </a:r>
-            <a:r>
-              <a:rPr kumimoji="1" lang="en-US" altLang="ja-JP" dirty="0" err="1"/>
-              <a:t>PtoF</a:t>
-            </a:r>
-            <a:r>
-              <a:rPr kumimoji="1" lang="en-US" altLang="ja-JP" dirty="0"/>
-              <a:t>.</a:t>
-            </a:r>
-            <a:endParaRPr kumimoji="1" lang="ja-JP" altLang="en-US" dirty="0"/>
           </a:p>
         </p:txBody>
       </p:sp>
@@ -5651,8 +5775,8 @@
           </a:p>
         </p:txBody>
       </p:sp>
-      <mc:AlternateContent xmlns:mc="http://schemas.openxmlformats.org/markup-compatibility/2006">
-        <mc:Choice xmlns:a14="http://schemas.microsoft.com/office/drawing/2010/main" Requires="a14">
+      <mc:AlternateContent xmlns:mc="http://schemas.openxmlformats.org/markup-compatibility/2006" xmlns:a14="http://schemas.microsoft.com/office/drawing/2010/main">
+        <mc:Choice Requires="a14">
           <p:sp>
             <p:nvSpPr>
               <p:cNvPr id="6" name="テキスト ボックス 5">
@@ -6191,7 +6315,7 @@
             </p:txBody>
           </p:sp>
         </mc:Choice>
-        <mc:Fallback>
+        <mc:Fallback xmlns="">
           <p:sp>
             <p:nvSpPr>
               <p:cNvPr id="6" name="テキスト ボックス 5">

--- a/sample/sample.pptx
+++ b/sample/sample.pptx
@@ -5014,7 +5014,7 @@
         <p:spPr>
           <a:xfrm>
             <a:off x="2419657" y="4059641"/>
-            <a:ext cx="2675732" cy="369332"/>
+            <a:ext cx="2113079" cy="369332"/>
           </a:xfrm>
           <a:prstGeom prst="rect">
             <a:avLst/>
@@ -5033,19 +5033,7 @@
             </a:r>
             <a:r>
               <a:rPr lang="en-US" altLang="ja-JP" dirty="0" err="1"/>
-              <a:t>ptof</a:t>
-            </a:r>
-            <a:r>
-              <a:rPr lang="en-US" altLang="ja-JP" err="1"/>
-              <a:t>_</a:t>
-            </a:r>
-            <a:r>
-              <a:rPr lang="en-US" altLang="ja-JP"/>
-              <a:t>logo.</a:t>
-            </a:r>
-            <a:r>
-              <a:rPr lang="en-US" altLang="ja-JP" dirty="0" err="1"/>
-              <a:t>svg</a:t>
+              <a:t>ptof.svg</a:t>
             </a:r>
             <a:endParaRPr kumimoji="1" lang="ja-JP" altLang="en-US" dirty="0"/>
           </a:p>
@@ -5119,10 +5107,10 @@
       </p:sp>
       <p:sp>
         <p:nvSpPr>
-          <p:cNvPr id="13" name="テキスト ボックス 12">
-            <a:extLst>
-              <a:ext uri="{FF2B5EF4-FFF2-40B4-BE49-F238E27FC236}">
-                <a16:creationId xmlns:a16="http://schemas.microsoft.com/office/drawing/2014/main" id="{9BF66116-2C69-4E15-BFCE-0BEAD3040C8D}"/>
+          <p:cNvPr id="11" name="テキスト ボックス 10">
+            <a:extLst>
+              <a:ext uri="{FF2B5EF4-FFF2-40B4-BE49-F238E27FC236}">
+                <a16:creationId xmlns:a16="http://schemas.microsoft.com/office/drawing/2014/main" id="{DDC12081-C23E-46EF-ACAE-3E3DA46B3E89}"/>
               </a:ext>
             </a:extLst>
           </p:cNvPr>
@@ -5131,7 +5119,7 @@
         </p:nvSpPr>
         <p:spPr>
           <a:xfrm>
-            <a:off x="4105778" y="1379545"/>
+            <a:off x="4595112" y="1543127"/>
             <a:ext cx="899150" cy="1836399"/>
           </a:xfrm>
           <a:custGeom>
@@ -5251,10 +5239,10 @@
       </p:sp>
       <p:sp>
         <p:nvSpPr>
-          <p:cNvPr id="14" name="正方形/長方形 13">
-            <a:extLst>
-              <a:ext uri="{FF2B5EF4-FFF2-40B4-BE49-F238E27FC236}">
-                <a16:creationId xmlns:a16="http://schemas.microsoft.com/office/drawing/2014/main" id="{1A77E234-D6F7-4865-ABC6-AE9B232E6F3B}"/>
+          <p:cNvPr id="20" name="正方形/長方形 19">
+            <a:extLst>
+              <a:ext uri="{FF2B5EF4-FFF2-40B4-BE49-F238E27FC236}">
+                <a16:creationId xmlns:a16="http://schemas.microsoft.com/office/drawing/2014/main" id="{FDEA95D1-62AA-41FF-8639-5C18A3FA9F73}"/>
               </a:ext>
             </a:extLst>
           </p:cNvPr>
@@ -5263,8 +5251,8 @@
         </p:nvSpPr>
         <p:spPr>
           <a:xfrm>
-            <a:off x="611254" y="876991"/>
-            <a:ext cx="10969491" cy="2828041"/>
+            <a:off x="1100589" y="1040573"/>
+            <a:ext cx="10739416" cy="2828041"/>
           </a:xfrm>
           <a:prstGeom prst="rect">
             <a:avLst/>
@@ -5303,10 +5291,10 @@
       </p:sp>
       <p:sp>
         <p:nvSpPr>
-          <p:cNvPr id="15" name="テキスト ボックス 14">
-            <a:extLst>
-              <a:ext uri="{FF2B5EF4-FFF2-40B4-BE49-F238E27FC236}">
-                <a16:creationId xmlns:a16="http://schemas.microsoft.com/office/drawing/2014/main" id="{54F9B1A5-2167-4977-90F9-D68C381CDC2B}"/>
+          <p:cNvPr id="21" name="テキスト ボックス 20">
+            <a:extLst>
+              <a:ext uri="{FF2B5EF4-FFF2-40B4-BE49-F238E27FC236}">
+                <a16:creationId xmlns:a16="http://schemas.microsoft.com/office/drawing/2014/main" id="{8339E4C6-AB1E-4C32-87BD-2757D7A13EFA}"/>
               </a:ext>
             </a:extLst>
           </p:cNvPr>
@@ -5315,7 +5303,7 @@
         </p:nvSpPr>
         <p:spPr>
           <a:xfrm>
-            <a:off x="2836455" y="1605171"/>
+            <a:off x="3325789" y="1768753"/>
             <a:ext cx="894797" cy="923330"/>
           </a:xfrm>
           <a:prstGeom prst="rect">
@@ -5345,10 +5333,10 @@
       </p:sp>
       <p:cxnSp>
         <p:nvCxnSpPr>
-          <p:cNvPr id="16" name="直線矢印コネクタ 15">
-            <a:extLst>
-              <a:ext uri="{FF2B5EF4-FFF2-40B4-BE49-F238E27FC236}">
-                <a16:creationId xmlns:a16="http://schemas.microsoft.com/office/drawing/2014/main" id="{764D8889-BBEB-429C-A0C8-7B23892B6B97}"/>
+          <p:cNvPr id="22" name="直線矢印コネクタ 21">
+            <a:extLst>
+              <a:ext uri="{FF2B5EF4-FFF2-40B4-BE49-F238E27FC236}">
+                <a16:creationId xmlns:a16="http://schemas.microsoft.com/office/drawing/2014/main" id="{A907AEFB-8244-44FA-A929-3C66C38058C4}"/>
               </a:ext>
             </a:extLst>
           </p:cNvPr>
@@ -5357,7 +5345,7 @@
         </p:nvCxnSpPr>
         <p:spPr>
           <a:xfrm>
-            <a:off x="2882440" y="2540300"/>
+            <a:off x="3371774" y="2703882"/>
             <a:ext cx="802826" cy="0"/>
           </a:xfrm>
           <a:prstGeom prst="straightConnector1">
@@ -5387,10 +5375,10 @@
       </p:cxnSp>
       <p:sp>
         <p:nvSpPr>
-          <p:cNvPr id="17" name="テキスト ボックス 16">
-            <a:extLst>
-              <a:ext uri="{FF2B5EF4-FFF2-40B4-BE49-F238E27FC236}">
-                <a16:creationId xmlns:a16="http://schemas.microsoft.com/office/drawing/2014/main" id="{43AEDDE0-16D1-4242-A609-898777BCFF81}"/>
+          <p:cNvPr id="23" name="テキスト ボックス 22">
+            <a:extLst>
+              <a:ext uri="{FF2B5EF4-FFF2-40B4-BE49-F238E27FC236}">
+                <a16:creationId xmlns:a16="http://schemas.microsoft.com/office/drawing/2014/main" id="{8F918D53-8EBD-49BF-A11C-1705838A63B1}"/>
               </a:ext>
             </a:extLst>
           </p:cNvPr>
@@ -5399,7 +5387,7 @@
         </p:nvSpPr>
         <p:spPr>
           <a:xfrm>
-            <a:off x="5685030" y="1990205"/>
+            <a:off x="6174364" y="2153787"/>
             <a:ext cx="5442580" cy="646331"/>
           </a:xfrm>
           <a:prstGeom prst="rect">
@@ -5445,10 +5433,10 @@
       </p:sp>
       <p:sp>
         <p:nvSpPr>
-          <p:cNvPr id="18" name="テキスト ボックス 17">
-            <a:extLst>
-              <a:ext uri="{FF2B5EF4-FFF2-40B4-BE49-F238E27FC236}">
-                <a16:creationId xmlns:a16="http://schemas.microsoft.com/office/drawing/2014/main" id="{7AEB6848-1CDF-4A52-9335-95CC6F85B5BC}"/>
+          <p:cNvPr id="24" name="テキスト ボックス 23">
+            <a:extLst>
+              <a:ext uri="{FF2B5EF4-FFF2-40B4-BE49-F238E27FC236}">
+                <a16:creationId xmlns:a16="http://schemas.microsoft.com/office/drawing/2014/main" id="{7187308A-67FE-4916-9907-58CE42752B73}"/>
               </a:ext>
             </a:extLst>
           </p:cNvPr>
@@ -5457,7 +5445,7 @@
         </p:nvSpPr>
         <p:spPr>
           <a:xfrm>
-            <a:off x="1228969" y="1377243"/>
+            <a:off x="1718303" y="1540825"/>
             <a:ext cx="1416761" cy="1836399"/>
           </a:xfrm>
           <a:custGeom>
@@ -5602,10 +5590,10 @@
       </p:sp>
       <p:sp>
         <p:nvSpPr>
-          <p:cNvPr id="19" name="四角形: 角を丸くする 18">
-            <a:extLst>
-              <a:ext uri="{FF2B5EF4-FFF2-40B4-BE49-F238E27FC236}">
-                <a16:creationId xmlns:a16="http://schemas.microsoft.com/office/drawing/2014/main" id="{C49D295C-C4DF-41AF-8A01-3F6A143370F0}"/>
+          <p:cNvPr id="25" name="正方形/長方形 24">
+            <a:extLst>
+              <a:ext uri="{FF2B5EF4-FFF2-40B4-BE49-F238E27FC236}">
+                <a16:creationId xmlns:a16="http://schemas.microsoft.com/office/drawing/2014/main" id="{A7B85E11-6114-47E7-B394-51FFD17EB00B}"/>
               </a:ext>
             </a:extLst>
           </p:cNvPr>
@@ -5614,16 +5602,16 @@
         </p:nvSpPr>
         <p:spPr>
           <a:xfrm>
-            <a:off x="1106380" y="1233061"/>
+            <a:off x="1595714" y="1396642"/>
             <a:ext cx="1019221" cy="2160621"/>
           </a:xfrm>
-          <a:prstGeom prst="roundRect">
+          <a:prstGeom prst="rect">
             <a:avLst/>
           </a:prstGeom>
           <a:noFill/>
           <a:ln w="76200">
             <a:solidFill>
-              <a:srgbClr val="22D3EE"/>
+              <a:srgbClr val="00FFFF"/>
             </a:solidFill>
             <a:prstDash val="sysDash"/>
           </a:ln>
